--- a/ProjectPresentation.pptx
+++ b/ProjectPresentation.pptx
@@ -119,6 +119,11 @@
       </a:defRPr>
     </a:lvl9pPr>
   </p:defaultTextStyle>
+  <p:extLst>
+    <p:ext uri="{EFAFB233-063F-42B5-8137-9DF3F51BA10A}">
+      <p15:sldGuideLst xmlns:p15="http://schemas.microsoft.com/office/powerpoint/2012/main"/>
+    </p:ext>
+  </p:extLst>
 </p:presentation>
 </file>
 
@@ -5382,6 +5387,14 @@
 <file path=ppt/slides/slide16.xml><?xml version="1.0" encoding="utf-8"?>
 <p:sld xmlns:a="http://schemas.openxmlformats.org/drawingml/2006/main" xmlns:r="http://schemas.openxmlformats.org/officeDocument/2006/relationships" xmlns:p="http://schemas.openxmlformats.org/presentationml/2006/main">
   <p:cSld>
+    <p:bg>
+      <p:bgPr>
+        <a:solidFill>
+          <a:schemeClr val="bg2"/>
+        </a:solidFill>
+        <a:effectLst/>
+      </p:bgPr>
+    </p:bg>
     <p:spTree>
       <p:nvGrpSpPr>
         <p:cNvPr id="1" name=""/>
@@ -5398,6 +5411,88 @@
       </p:grpSpPr>
       <p:sp>
         <p:nvSpPr>
+          <p:cNvPr id="12" name="Rectangle 11">
+            <a:extLst>
+              <a:ext uri="{FF2B5EF4-FFF2-40B4-BE49-F238E27FC236}">
+                <a16:creationId xmlns:a16="http://schemas.microsoft.com/office/drawing/2014/main" id="{BEC9E7FA-3295-45ED-8253-D23F9E44E1DA}"/>
+              </a:ext>
+            </a:extLst>
+          </p:cNvPr>
+          <p:cNvSpPr>
+            <a:spLocks noGrp="1" noRot="1" noChangeAspect="1" noMove="1" noResize="1" noEditPoints="1" noAdjustHandles="1" noChangeArrowheads="1" noChangeShapeType="1" noTextEdit="1"/>
+          </p:cNvSpPr>
+          <p:nvPr>
+            <p:extLst>
+              <p:ext uri="{386F3935-93C4-4BCD-93E2-E3B085C9AB24}">
+                <p16:designElem xmlns:p16="http://schemas.microsoft.com/office/powerpoint/2015/main" val="1"/>
+              </p:ext>
+            </p:extLst>
+          </p:nvPr>
+        </p:nvSpPr>
+        <p:spPr>
+          <a:xfrm>
+            <a:off x="478095" y="376"/>
+            <a:ext cx="228600" cy="6858000"/>
+          </a:xfrm>
+          <a:prstGeom prst="rect">
+            <a:avLst/>
+          </a:prstGeom>
+          <a:solidFill>
+            <a:schemeClr val="tx2"/>
+          </a:solidFill>
+          <a:ln>
+            <a:noFill/>
+          </a:ln>
+        </p:spPr>
+        <p:style>
+          <a:lnRef idx="2">
+            <a:schemeClr val="accent1">
+              <a:shade val="50000"/>
+            </a:schemeClr>
+          </a:lnRef>
+          <a:fillRef idx="1">
+            <a:schemeClr val="accent1"/>
+          </a:fillRef>
+          <a:effectRef idx="0">
+            <a:schemeClr val="accent1"/>
+          </a:effectRef>
+          <a:fontRef idx="minor">
+            <a:schemeClr val="lt1"/>
+          </a:fontRef>
+        </p:style>
+      </p:sp>
+      <p:pic>
+        <p:nvPicPr>
+          <p:cNvPr id="7" name="Content Placeholder 3">
+            <a:extLst>
+              <a:ext uri="{FF2B5EF4-FFF2-40B4-BE49-F238E27FC236}">
+                <a16:creationId xmlns:a16="http://schemas.microsoft.com/office/drawing/2014/main" id="{3CCCCEDD-E9D0-4A5D-9B21-DC1054DBFD78}"/>
+              </a:ext>
+            </a:extLst>
+          </p:cNvPr>
+          <p:cNvPicPr>
+            <a:picLocks noChangeAspect="1"/>
+          </p:cNvPicPr>
+          <p:nvPr/>
+        </p:nvPicPr>
+        <p:blipFill>
+          <a:blip r:embed="rId2"/>
+          <a:stretch>
+            <a:fillRect/>
+          </a:stretch>
+        </p:blipFill>
+        <p:spPr>
+          <a:xfrm>
+            <a:off x="1381329" y="645106"/>
+            <a:ext cx="5801529" cy="5247747"/>
+          </a:xfrm>
+          <a:prstGeom prst="rect">
+            <a:avLst/>
+          </a:prstGeom>
+        </p:spPr>
+      </p:pic>
+      <p:sp>
+        <p:nvSpPr>
           <p:cNvPr id="2" name="Title 1">
             <a:extLst>
               <a:ext uri="{FF2B5EF4-FFF2-40B4-BE49-F238E27FC236}">
@@ -5412,21 +5507,28 @@
             <p:ph type="title"/>
           </p:nvPr>
         </p:nvSpPr>
-        <p:spPr/>
-        <p:txBody>
-          <a:bodyPr/>
+        <p:spPr>
+          <a:xfrm>
+            <a:off x="7860667" y="685800"/>
+            <a:ext cx="3656419" cy="1485900"/>
+          </a:xfrm>
+        </p:spPr>
+        <p:txBody>
+          <a:bodyPr>
+            <a:normAutofit/>
+          </a:bodyPr>
           <a:lstStyle/>
           <a:p>
-            <a:endParaRPr lang="en-US"/>
-          </a:p>
-        </p:txBody>
-      </p:sp>
-      <p:sp>
-        <p:nvSpPr>
-          <p:cNvPr id="3" name="Content Placeholder 2">
+            <a:endParaRPr lang="en-US" dirty="0"/>
+          </a:p>
+        </p:txBody>
+      </p:sp>
+      <p:sp>
+        <p:nvSpPr>
+          <p:cNvPr id="9" name="Content Placeholder 8">
             <a:extLst>
               <a:ext uri="{FF2B5EF4-FFF2-40B4-BE49-F238E27FC236}">
-                <a16:creationId xmlns:a16="http://schemas.microsoft.com/office/drawing/2014/main" id="{3C51A8AE-0D88-4BB3-98C2-4F7A1ECEA21C}"/>
+                <a16:creationId xmlns:a16="http://schemas.microsoft.com/office/drawing/2014/main" id="{F0B10E8E-803C-4689-935D-5B664F6DC553}"/>
               </a:ext>
             </a:extLst>
           </p:cNvPr>
@@ -5437,9 +5539,16 @@
             <p:ph idx="1"/>
           </p:nvPr>
         </p:nvSpPr>
-        <p:spPr/>
-        <p:txBody>
-          <a:bodyPr/>
+        <p:spPr>
+          <a:xfrm>
+            <a:off x="7860667" y="2286000"/>
+            <a:ext cx="3656419" cy="3581400"/>
+          </a:xfrm>
+        </p:spPr>
+        <p:txBody>
+          <a:bodyPr>
+            <a:normAutofit/>
+          </a:bodyPr>
           <a:lstStyle/>
           <a:p>
             <a:endParaRPr lang="en-US"/>

--- a/ProjectPresentation.pptx
+++ b/ProjectPresentation.pptx
@@ -20,7 +20,22 @@
     <p:sldId id="268" r:id="rId14"/>
     <p:sldId id="269" r:id="rId15"/>
     <p:sldId id="270" r:id="rId16"/>
-    <p:sldId id="271" r:id="rId17"/>
+    <p:sldId id="274" r:id="rId17"/>
+    <p:sldId id="275" r:id="rId18"/>
+    <p:sldId id="277" r:id="rId19"/>
+    <p:sldId id="278" r:id="rId20"/>
+    <p:sldId id="279" r:id="rId21"/>
+    <p:sldId id="280" r:id="rId22"/>
+    <p:sldId id="281" r:id="rId23"/>
+    <p:sldId id="282" r:id="rId24"/>
+    <p:sldId id="283" r:id="rId25"/>
+    <p:sldId id="288" r:id="rId26"/>
+    <p:sldId id="284" r:id="rId27"/>
+    <p:sldId id="285" r:id="rId28"/>
+    <p:sldId id="286" r:id="rId29"/>
+    <p:sldId id="287" r:id="rId30"/>
+    <p:sldId id="289" r:id="rId31"/>
+    <p:sldId id="290" r:id="rId32"/>
   </p:sldIdLst>
   <p:sldSz cx="12192000" cy="6858000"/>
   <p:notesSz cx="6858000" cy="9144000"/>
@@ -5387,14 +5402,6 @@
 <file path=ppt/slides/slide16.xml><?xml version="1.0" encoding="utf-8"?>
 <p:sld xmlns:a="http://schemas.openxmlformats.org/drawingml/2006/main" xmlns:r="http://schemas.openxmlformats.org/officeDocument/2006/relationships" xmlns:p="http://schemas.openxmlformats.org/presentationml/2006/main">
   <p:cSld>
-    <p:bg>
-      <p:bgPr>
-        <a:solidFill>
-          <a:schemeClr val="bg2"/>
-        </a:solidFill>
-        <a:effectLst/>
-      </p:bgPr>
-    </p:bg>
     <p:spTree>
       <p:nvGrpSpPr>
         <p:cNvPr id="1" name=""/>
@@ -5411,62 +5418,63 @@
       </p:grpSpPr>
       <p:sp>
         <p:nvSpPr>
-          <p:cNvPr id="12" name="Rectangle 11">
+          <p:cNvPr id="2" name="Title 1">
             <a:extLst>
               <a:ext uri="{FF2B5EF4-FFF2-40B4-BE49-F238E27FC236}">
-                <a16:creationId xmlns:a16="http://schemas.microsoft.com/office/drawing/2014/main" id="{BEC9E7FA-3295-45ED-8253-D23F9E44E1DA}"/>
+                <a16:creationId xmlns:a16="http://schemas.microsoft.com/office/drawing/2014/main" id="{3DBE29B8-5405-4FDC-8DDE-07F78C1C1120}"/>
               </a:ext>
             </a:extLst>
           </p:cNvPr>
           <p:cNvSpPr>
-            <a:spLocks noGrp="1" noRot="1" noChangeAspect="1" noMove="1" noResize="1" noEditPoints="1" noAdjustHandles="1" noChangeArrowheads="1" noChangeShapeType="1" noTextEdit="1"/>
-          </p:cNvSpPr>
-          <p:nvPr>
-            <p:extLst>
-              <p:ext uri="{386F3935-93C4-4BCD-93E2-E3B085C9AB24}">
-                <p16:designElem xmlns:p16="http://schemas.microsoft.com/office/powerpoint/2015/main" val="1"/>
-              </p:ext>
-            </p:extLst>
-          </p:nvPr>
-        </p:nvSpPr>
-        <p:spPr>
-          <a:xfrm>
-            <a:off x="478095" y="376"/>
-            <a:ext cx="228600" cy="6858000"/>
-          </a:xfrm>
-          <a:prstGeom prst="rect">
-            <a:avLst/>
-          </a:prstGeom>
-          <a:solidFill>
-            <a:schemeClr val="tx2"/>
-          </a:solidFill>
-          <a:ln>
-            <a:noFill/>
-          </a:ln>
-        </p:spPr>
-        <p:style>
-          <a:lnRef idx="2">
-            <a:schemeClr val="accent1">
-              <a:shade val="50000"/>
-            </a:schemeClr>
-          </a:lnRef>
-          <a:fillRef idx="1">
-            <a:schemeClr val="accent1"/>
-          </a:fillRef>
-          <a:effectRef idx="0">
-            <a:schemeClr val="accent1"/>
-          </a:effectRef>
-          <a:fontRef idx="minor">
-            <a:schemeClr val="lt1"/>
-          </a:fontRef>
-        </p:style>
+            <a:spLocks noGrp="1"/>
+          </p:cNvSpPr>
+          <p:nvPr>
+            <p:ph type="title"/>
+          </p:nvPr>
+        </p:nvSpPr>
+        <p:spPr/>
+        <p:txBody>
+          <a:bodyPr/>
+          <a:lstStyle/>
+          <a:p>
+            <a:r>
+              <a:rPr lang="en-US" dirty="0"/>
+              <a:t>Time spent in various activities (in minutes) on average</a:t>
+            </a:r>
+          </a:p>
+        </p:txBody>
+      </p:sp>
+      <p:sp>
+        <p:nvSpPr>
+          <p:cNvPr id="3" name="Content Placeholder 2">
+            <a:extLst>
+              <a:ext uri="{FF2B5EF4-FFF2-40B4-BE49-F238E27FC236}">
+                <a16:creationId xmlns:a16="http://schemas.microsoft.com/office/drawing/2014/main" id="{9C86D67D-0ED5-4036-9247-BF15D14ADA08}"/>
+              </a:ext>
+            </a:extLst>
+          </p:cNvPr>
+          <p:cNvSpPr>
+            <a:spLocks noGrp="1"/>
+          </p:cNvSpPr>
+          <p:nvPr>
+            <p:ph idx="1"/>
+          </p:nvPr>
+        </p:nvSpPr>
+        <p:spPr/>
+        <p:txBody>
+          <a:bodyPr/>
+          <a:lstStyle/>
+          <a:p>
+            <a:endParaRPr lang="en-US"/>
+          </a:p>
+        </p:txBody>
       </p:sp>
       <p:pic>
         <p:nvPicPr>
-          <p:cNvPr id="7" name="Content Placeholder 3">
+          <p:cNvPr id="5" name="Picture 4">
             <a:extLst>
               <a:ext uri="{FF2B5EF4-FFF2-40B4-BE49-F238E27FC236}">
-                <a16:creationId xmlns:a16="http://schemas.microsoft.com/office/drawing/2014/main" id="{3CCCCEDD-E9D0-4A5D-9B21-DC1054DBFD78}"/>
+                <a16:creationId xmlns:a16="http://schemas.microsoft.com/office/drawing/2014/main" id="{7E9B1E7C-86DE-4DF1-B3FB-5301FA6CEA94}"/>
               </a:ext>
             </a:extLst>
           </p:cNvPr>
@@ -5483,20 +5491,131 @@
         </p:blipFill>
         <p:spPr>
           <a:xfrm>
-            <a:off x="1381329" y="645106"/>
-            <a:ext cx="5801529" cy="5247747"/>
+            <a:off x="1371600" y="2148510"/>
+            <a:ext cx="9601200" cy="3920987"/>
           </a:xfrm>
           <a:prstGeom prst="rect">
             <a:avLst/>
           </a:prstGeom>
         </p:spPr>
       </p:pic>
+    </p:spTree>
+    <p:extLst>
+      <p:ext uri="{BB962C8B-B14F-4D97-AF65-F5344CB8AC3E}">
+        <p14:creationId xmlns:p14="http://schemas.microsoft.com/office/powerpoint/2010/main" val="3221139421"/>
+      </p:ext>
+    </p:extLst>
+  </p:cSld>
+  <p:clrMapOvr>
+    <a:masterClrMapping/>
+  </p:clrMapOvr>
+</p:sld>
+</file>
+
+<file path=ppt/slides/slide17.xml><?xml version="1.0" encoding="utf-8"?>
+<p:sld xmlns:a="http://schemas.openxmlformats.org/drawingml/2006/main" xmlns:r="http://schemas.openxmlformats.org/officeDocument/2006/relationships" xmlns:p="http://schemas.openxmlformats.org/presentationml/2006/main">
+  <p:cSld>
+    <p:spTree>
+      <p:nvGrpSpPr>
+        <p:cNvPr id="1" name=""/>
+        <p:cNvGrpSpPr/>
+        <p:nvPr/>
+      </p:nvGrpSpPr>
+      <p:grpSpPr>
+        <a:xfrm>
+          <a:off x="0" y="0"/>
+          <a:ext cx="0" cy="0"/>
+          <a:chOff x="0" y="0"/>
+          <a:chExt cx="0" cy="0"/>
+        </a:xfrm>
+      </p:grpSpPr>
+      <p:sp>
+        <p:nvSpPr>
+          <p:cNvPr id="3" name="Content Placeholder 2">
+            <a:extLst>
+              <a:ext uri="{FF2B5EF4-FFF2-40B4-BE49-F238E27FC236}">
+                <a16:creationId xmlns:a16="http://schemas.microsoft.com/office/drawing/2014/main" id="{37E474C5-DB56-49D8-AD1C-AD3653EF5064}"/>
+              </a:ext>
+            </a:extLst>
+          </p:cNvPr>
+          <p:cNvSpPr>
+            <a:spLocks noGrp="1"/>
+          </p:cNvSpPr>
+          <p:nvPr>
+            <p:ph idx="1"/>
+          </p:nvPr>
+        </p:nvSpPr>
+        <p:spPr>
+          <a:xfrm>
+            <a:off x="1371600" y="781878"/>
+            <a:ext cx="9601200" cy="5085522"/>
+          </a:xfrm>
+        </p:spPr>
+        <p:txBody>
+          <a:bodyPr/>
+          <a:lstStyle/>
+          <a:p>
+            <a:r>
+              <a:rPr lang="en-US" dirty="0"/>
+              <a:t>On average most time of the day is spent in sleeping – 550 minutes</a:t>
+            </a:r>
+          </a:p>
+          <a:p>
+            <a:r>
+              <a:rPr lang="en-US" dirty="0"/>
+              <a:t>Then, it’s watching Television – 200 minutes</a:t>
+            </a:r>
+          </a:p>
+          <a:p>
+            <a:r>
+              <a:rPr lang="en-US" dirty="0"/>
+              <a:t>Then, it’s eating or drinking – 90 minutes</a:t>
+            </a:r>
+          </a:p>
+          <a:p>
+            <a:r>
+              <a:rPr lang="en-US" dirty="0"/>
+              <a:t>Then, after these, for almost all the activities the spending time is between 0 and 70</a:t>
+            </a:r>
+          </a:p>
+        </p:txBody>
+      </p:sp>
+    </p:spTree>
+    <p:extLst>
+      <p:ext uri="{BB962C8B-B14F-4D97-AF65-F5344CB8AC3E}">
+        <p14:creationId xmlns:p14="http://schemas.microsoft.com/office/powerpoint/2010/main" val="300077282"/>
+      </p:ext>
+    </p:extLst>
+  </p:cSld>
+  <p:clrMapOvr>
+    <a:masterClrMapping/>
+  </p:clrMapOvr>
+</p:sld>
+</file>
+
+<file path=ppt/slides/slide18.xml><?xml version="1.0" encoding="utf-8"?>
+<p:sld xmlns:a="http://schemas.openxmlformats.org/drawingml/2006/main" xmlns:r="http://schemas.openxmlformats.org/officeDocument/2006/relationships" xmlns:p="http://schemas.openxmlformats.org/presentationml/2006/main">
+  <p:cSld>
+    <p:spTree>
+      <p:nvGrpSpPr>
+        <p:cNvPr id="1" name=""/>
+        <p:cNvGrpSpPr/>
+        <p:nvPr/>
+      </p:nvGrpSpPr>
+      <p:grpSpPr>
+        <a:xfrm>
+          <a:off x="0" y="0"/>
+          <a:ext cx="0" cy="0"/>
+          <a:chOff x="0" y="0"/>
+          <a:chExt cx="0" cy="0"/>
+        </a:xfrm>
+      </p:grpSpPr>
       <p:sp>
         <p:nvSpPr>
           <p:cNvPr id="2" name="Title 1">
             <a:extLst>
               <a:ext uri="{FF2B5EF4-FFF2-40B4-BE49-F238E27FC236}">
-                <a16:creationId xmlns:a16="http://schemas.microsoft.com/office/drawing/2014/main" id="{AA73C7F5-717A-4FA9-AAEF-B8BD6D39857F}"/>
+                <a16:creationId xmlns:a16="http://schemas.microsoft.com/office/drawing/2014/main" id="{34786230-11E8-4D52-8C1F-DBF1A063B6F5}"/>
               </a:ext>
             </a:extLst>
           </p:cNvPr>
@@ -5509,26 +5628,59 @@
         </p:nvSpPr>
         <p:spPr>
           <a:xfrm>
-            <a:off x="7860667" y="685800"/>
-            <a:ext cx="3656419" cy="1485900"/>
+            <a:off x="1596887" y="2686050"/>
+            <a:ext cx="9601200" cy="1485900"/>
           </a:xfrm>
         </p:spPr>
         <p:txBody>
-          <a:bodyPr>
-            <a:normAutofit/>
-          </a:bodyPr>
+          <a:bodyPr/>
           <a:lstStyle/>
           <a:p>
-            <a:endParaRPr lang="en-US" dirty="0"/>
-          </a:p>
-        </p:txBody>
-      </p:sp>
-      <p:sp>
-        <p:nvSpPr>
-          <p:cNvPr id="9" name="Content Placeholder 8">
+            <a:pPr algn="ctr"/>
+            <a:r>
+              <a:rPr lang="en-US" dirty="0"/>
+              <a:t>Model Design</a:t>
+            </a:r>
+            <a:endParaRPr lang="en-US" i="1" dirty="0"/>
+          </a:p>
+        </p:txBody>
+      </p:sp>
+    </p:spTree>
+    <p:extLst>
+      <p:ext uri="{BB962C8B-B14F-4D97-AF65-F5344CB8AC3E}">
+        <p14:creationId xmlns:p14="http://schemas.microsoft.com/office/powerpoint/2010/main" val="677954186"/>
+      </p:ext>
+    </p:extLst>
+  </p:cSld>
+  <p:clrMapOvr>
+    <a:masterClrMapping/>
+  </p:clrMapOvr>
+</p:sld>
+</file>
+
+<file path=ppt/slides/slide19.xml><?xml version="1.0" encoding="utf-8"?>
+<p:sld xmlns:a="http://schemas.openxmlformats.org/drawingml/2006/main" xmlns:r="http://schemas.openxmlformats.org/officeDocument/2006/relationships" xmlns:p="http://schemas.openxmlformats.org/presentationml/2006/main">
+  <p:cSld>
+    <p:spTree>
+      <p:nvGrpSpPr>
+        <p:cNvPr id="1" name=""/>
+        <p:cNvGrpSpPr/>
+        <p:nvPr/>
+      </p:nvGrpSpPr>
+      <p:grpSpPr>
+        <a:xfrm>
+          <a:off x="0" y="0"/>
+          <a:ext cx="0" cy="0"/>
+          <a:chOff x="0" y="0"/>
+          <a:chExt cx="0" cy="0"/>
+        </a:xfrm>
+      </p:grpSpPr>
+      <p:sp>
+        <p:nvSpPr>
+          <p:cNvPr id="2" name="Title 1">
             <a:extLst>
               <a:ext uri="{FF2B5EF4-FFF2-40B4-BE49-F238E27FC236}">
-                <a16:creationId xmlns:a16="http://schemas.microsoft.com/office/drawing/2014/main" id="{F0B10E8E-803C-4689-935D-5B664F6DC553}"/>
+                <a16:creationId xmlns:a16="http://schemas.microsoft.com/office/drawing/2014/main" id="{B54BD201-D8E0-41C2-A091-96E6371A3DFB}"/>
               </a:ext>
             </a:extLst>
           </p:cNvPr>
@@ -5536,29 +5688,94 @@
             <a:spLocks noGrp="1"/>
           </p:cNvSpPr>
           <p:nvPr>
+            <p:ph type="title"/>
+          </p:nvPr>
+        </p:nvSpPr>
+        <p:spPr/>
+        <p:txBody>
+          <a:bodyPr/>
+          <a:lstStyle/>
+          <a:p>
+            <a:r>
+              <a:rPr lang="en-US" dirty="0"/>
+              <a:t>Following Models were implemented</a:t>
+            </a:r>
+          </a:p>
+        </p:txBody>
+      </p:sp>
+      <p:sp>
+        <p:nvSpPr>
+          <p:cNvPr id="3" name="Content Placeholder 2">
+            <a:extLst>
+              <a:ext uri="{FF2B5EF4-FFF2-40B4-BE49-F238E27FC236}">
+                <a16:creationId xmlns:a16="http://schemas.microsoft.com/office/drawing/2014/main" id="{85419471-806C-4C59-BCDC-3EAEAD7F236A}"/>
+              </a:ext>
+            </a:extLst>
+          </p:cNvPr>
+          <p:cNvSpPr>
+            <a:spLocks noGrp="1"/>
+          </p:cNvSpPr>
+          <p:nvPr>
             <p:ph idx="1"/>
           </p:nvPr>
         </p:nvSpPr>
-        <p:spPr>
-          <a:xfrm>
-            <a:off x="7860667" y="2286000"/>
-            <a:ext cx="3656419" cy="3581400"/>
-          </a:xfrm>
-        </p:spPr>
-        <p:txBody>
-          <a:bodyPr>
-            <a:normAutofit/>
-          </a:bodyPr>
+        <p:spPr/>
+        <p:txBody>
+          <a:bodyPr/>
           <a:lstStyle/>
           <a:p>
-            <a:endParaRPr lang="en-US"/>
+            <a:r>
+              <a:rPr lang="en-US" dirty="0"/>
+              <a:t>Logistic Regression</a:t>
+            </a:r>
+          </a:p>
+          <a:p>
+            <a:r>
+              <a:rPr lang="en-US" dirty="0"/>
+              <a:t>Random Forest</a:t>
+            </a:r>
+          </a:p>
+          <a:p>
+            <a:r>
+              <a:rPr lang="en-US" dirty="0"/>
+              <a:t>Support Vector Machines (SVM)</a:t>
+            </a:r>
+          </a:p>
+          <a:p>
+            <a:r>
+              <a:rPr lang="en-US" dirty="0"/>
+              <a:t>Naïve Bayes</a:t>
+            </a:r>
+          </a:p>
+          <a:p>
+            <a:r>
+              <a:rPr lang="en-US" dirty="0"/>
+              <a:t>K-Nearest </a:t>
+            </a:r>
+            <a:r>
+              <a:rPr lang="en-US" dirty="0" err="1"/>
+              <a:t>Neighbours</a:t>
+            </a:r>
+            <a:r>
+              <a:rPr lang="en-US" dirty="0"/>
+              <a:t> (KNN)</a:t>
+            </a:r>
+          </a:p>
+          <a:p>
+            <a:r>
+              <a:rPr lang="en-US" dirty="0"/>
+              <a:t>Decision Trees</a:t>
+            </a:r>
+          </a:p>
+          <a:p>
+            <a:endParaRPr lang="en-US" dirty="0"/>
           </a:p>
         </p:txBody>
       </p:sp>
     </p:spTree>
     <p:extLst>
       <p:ext uri="{BB962C8B-B14F-4D97-AF65-F5344CB8AC3E}">
-        <p14:creationId xmlns:p14="http://schemas.microsoft.com/office/powerpoint/2010/main" val="3622081363"/>
+        <p14:creationId xmlns:p14="http://schemas.microsoft.com/office/powerpoint/2010/main" val="2115748196"/>
       </p:ext>
     </p:extLst>
   </p:cSld>
@@ -5672,6 +5889,2222 @@
 </p:sld>
 </file>
 
+<file path=ppt/slides/slide20.xml><?xml version="1.0" encoding="utf-8"?>
+<p:sld xmlns:a="http://schemas.openxmlformats.org/drawingml/2006/main" xmlns:r="http://schemas.openxmlformats.org/officeDocument/2006/relationships" xmlns:p="http://schemas.openxmlformats.org/presentationml/2006/main">
+  <p:cSld>
+    <p:spTree>
+      <p:nvGrpSpPr>
+        <p:cNvPr id="1" name=""/>
+        <p:cNvGrpSpPr/>
+        <p:nvPr/>
+      </p:nvGrpSpPr>
+      <p:grpSpPr>
+        <a:xfrm>
+          <a:off x="0" y="0"/>
+          <a:ext cx="0" cy="0"/>
+          <a:chOff x="0" y="0"/>
+          <a:chExt cx="0" cy="0"/>
+        </a:xfrm>
+      </p:grpSpPr>
+      <p:sp>
+        <p:nvSpPr>
+          <p:cNvPr id="2" name="Title 1">
+            <a:extLst>
+              <a:ext uri="{FF2B5EF4-FFF2-40B4-BE49-F238E27FC236}">
+                <a16:creationId xmlns:a16="http://schemas.microsoft.com/office/drawing/2014/main" id="{5CE87D62-59A9-424F-8515-11F06358D782}"/>
+              </a:ext>
+            </a:extLst>
+          </p:cNvPr>
+          <p:cNvSpPr>
+            <a:spLocks noGrp="1"/>
+          </p:cNvSpPr>
+          <p:nvPr>
+            <p:ph type="title"/>
+          </p:nvPr>
+        </p:nvSpPr>
+        <p:spPr/>
+        <p:txBody>
+          <a:bodyPr/>
+          <a:lstStyle/>
+          <a:p>
+            <a:r>
+              <a:rPr lang="en-US" dirty="0"/>
+              <a:t>Logistic Regression</a:t>
+            </a:r>
+          </a:p>
+        </p:txBody>
+      </p:sp>
+      <p:sp>
+        <p:nvSpPr>
+          <p:cNvPr id="3" name="Content Placeholder 2">
+            <a:extLst>
+              <a:ext uri="{FF2B5EF4-FFF2-40B4-BE49-F238E27FC236}">
+                <a16:creationId xmlns:a16="http://schemas.microsoft.com/office/drawing/2014/main" id="{67F1152B-CE2B-49CF-9532-899EAFC3B811}"/>
+              </a:ext>
+            </a:extLst>
+          </p:cNvPr>
+          <p:cNvSpPr>
+            <a:spLocks noGrp="1"/>
+          </p:cNvSpPr>
+          <p:nvPr>
+            <p:ph idx="1"/>
+          </p:nvPr>
+        </p:nvSpPr>
+        <p:spPr/>
+        <p:txBody>
+          <a:bodyPr>
+            <a:normAutofit fontScale="70000" lnSpcReduction="20000"/>
+          </a:bodyPr>
+          <a:lstStyle/>
+          <a:p>
+            <a:r>
+              <a:rPr lang="en-US" dirty="0"/>
+              <a:t>Max </a:t>
+            </a:r>
+            <a:r>
+              <a:rPr lang="en-US" dirty="0" err="1"/>
+              <a:t>auc_roc</a:t>
+            </a:r>
+            <a:r>
+              <a:rPr lang="en-US" dirty="0"/>
+              <a:t> score: 0.9284572931148645</a:t>
+            </a:r>
+          </a:p>
+          <a:p>
+            <a:r>
+              <a:rPr lang="en-US" dirty="0"/>
+              <a:t>Best mean </a:t>
+            </a:r>
+            <a:r>
+              <a:rPr lang="en-US" dirty="0" err="1"/>
+              <a:t>auc_roc</a:t>
+            </a:r>
+            <a:r>
+              <a:rPr lang="en-US" dirty="0"/>
+              <a:t> score: 0.9244</a:t>
+            </a:r>
+          </a:p>
+          <a:p>
+            <a:r>
+              <a:rPr lang="en-US" dirty="0"/>
+              <a:t>Accuracy score on train data: 0.844085</a:t>
+            </a:r>
+          </a:p>
+          <a:p>
+            <a:r>
+              <a:rPr lang="en-US" dirty="0"/>
+              <a:t>Accuracy score on valid data: 0.842169</a:t>
+            </a:r>
+          </a:p>
+          <a:p>
+            <a:r>
+              <a:rPr lang="en-US" dirty="0"/>
+              <a:t>Classification Report:</a:t>
+            </a:r>
+          </a:p>
+          <a:p>
+            <a:pPr marL="530352" lvl="1" indent="0">
+              <a:buNone/>
+            </a:pPr>
+            <a:r>
+              <a:rPr lang="en-US" dirty="0"/>
+              <a:t>             precision    recall  f1-score   support</a:t>
+            </a:r>
+          </a:p>
+          <a:p>
+            <a:pPr marL="530352" lvl="1" indent="0">
+              <a:buNone/>
+            </a:pPr>
+            <a:endParaRPr lang="en-US" dirty="0"/>
+          </a:p>
+          <a:p>
+            <a:pPr marL="530352" lvl="1" indent="0">
+              <a:buNone/>
+            </a:pPr>
+            <a:r>
+              <a:rPr lang="en-US" dirty="0"/>
+              <a:t>          0       1.00      0.99      0.99     10253</a:t>
+            </a:r>
+          </a:p>
+          <a:p>
+            <a:pPr marL="530352" lvl="1" indent="0">
+              <a:buNone/>
+            </a:pPr>
+            <a:r>
+              <a:rPr lang="en-US" dirty="0"/>
+              <a:t>          1       0.82      0.68      0.75     10318</a:t>
+            </a:r>
+          </a:p>
+          <a:p>
+            <a:pPr marL="530352" lvl="1" indent="0">
+              <a:buNone/>
+            </a:pPr>
+            <a:r>
+              <a:rPr lang="en-US" dirty="0"/>
+              <a:t>          2       0.72      0.86      0.78     10215</a:t>
+            </a:r>
+          </a:p>
+          <a:p>
+            <a:endParaRPr lang="en-US" dirty="0"/>
+          </a:p>
+          <a:p>
+            <a:pPr marL="0" indent="0">
+              <a:buNone/>
+            </a:pPr>
+            <a:r>
+              <a:rPr lang="en-US" dirty="0"/>
+              <a:t>       </a:t>
+            </a:r>
+            <a:r>
+              <a:rPr lang="en-US" dirty="0" err="1"/>
+              <a:t>avg</a:t>
+            </a:r>
+            <a:r>
+              <a:rPr lang="en-US" dirty="0"/>
+              <a:t> / total       0.85      0.84      0.84     30786</a:t>
+            </a:r>
+          </a:p>
+        </p:txBody>
+      </p:sp>
+    </p:spTree>
+    <p:extLst>
+      <p:ext uri="{BB962C8B-B14F-4D97-AF65-F5344CB8AC3E}">
+        <p14:creationId xmlns:p14="http://schemas.microsoft.com/office/powerpoint/2010/main" val="2940915175"/>
+      </p:ext>
+    </p:extLst>
+  </p:cSld>
+  <p:clrMapOvr>
+    <a:masterClrMapping/>
+  </p:clrMapOvr>
+</p:sld>
+</file>
+
+<file path=ppt/slides/slide21.xml><?xml version="1.0" encoding="utf-8"?>
+<p:sld xmlns:a="http://schemas.openxmlformats.org/drawingml/2006/main" xmlns:r="http://schemas.openxmlformats.org/officeDocument/2006/relationships" xmlns:p="http://schemas.openxmlformats.org/presentationml/2006/main">
+  <p:cSld>
+    <p:bg>
+      <p:bgPr>
+        <a:solidFill>
+          <a:schemeClr val="bg2"/>
+        </a:solidFill>
+        <a:effectLst/>
+      </p:bgPr>
+    </p:bg>
+    <p:spTree>
+      <p:nvGrpSpPr>
+        <p:cNvPr id="1" name=""/>
+        <p:cNvGrpSpPr/>
+        <p:nvPr/>
+      </p:nvGrpSpPr>
+      <p:grpSpPr>
+        <a:xfrm>
+          <a:off x="0" y="0"/>
+          <a:ext cx="0" cy="0"/>
+          <a:chOff x="0" y="0"/>
+          <a:chExt cx="0" cy="0"/>
+        </a:xfrm>
+      </p:grpSpPr>
+      <p:grpSp>
+        <p:nvGrpSpPr>
+          <p:cNvPr id="9" name="Group 8">
+            <a:extLst>
+              <a:ext uri="{FF2B5EF4-FFF2-40B4-BE49-F238E27FC236}">
+                <a16:creationId xmlns:a16="http://schemas.microsoft.com/office/drawing/2014/main" id="{9D9D6BF1-DFF2-4526-9D13-BF339D8C4163}"/>
+              </a:ext>
+            </a:extLst>
+          </p:cNvPr>
+          <p:cNvGrpSpPr>
+            <a:grpSpLocks noGrp="1" noUngrp="1" noRot="1" noChangeAspect="1" noMove="1" noResize="1"/>
+          </p:cNvGrpSpPr>
+          <p:nvPr>
+            <p:extLst>
+              <p:ext uri="{386F3935-93C4-4BCD-93E2-E3B085C9AB24}">
+                <p16:designElem xmlns:p16="http://schemas.microsoft.com/office/powerpoint/2015/main" val="1"/>
+              </p:ext>
+            </p:extLst>
+          </p:nvPr>
+        </p:nvGrpSpPr>
+        <p:grpSpPr>
+          <a:xfrm>
+            <a:off x="752858" y="744469"/>
+            <a:ext cx="10674117" cy="5349671"/>
+            <a:chOff x="752858" y="744469"/>
+            <a:chExt cx="10674117" cy="5349671"/>
+          </a:xfrm>
+        </p:grpSpPr>
+        <p:sp>
+          <p:nvSpPr>
+            <p:cNvPr id="10" name="Freeform 6">
+              <a:extLst>
+                <a:ext uri="{FF2B5EF4-FFF2-40B4-BE49-F238E27FC236}">
+                  <a16:creationId xmlns:a16="http://schemas.microsoft.com/office/drawing/2014/main" id="{A54D4DB6-FB18-4CAE-8905-E0053C92569E}"/>
+                </a:ext>
+              </a:extLst>
+            </p:cNvPr>
+            <p:cNvSpPr/>
+            <p:nvPr>
+              <p:extLst>
+                <p:ext uri="{386F3935-93C4-4BCD-93E2-E3B085C9AB24}">
+                  <p16:designElem xmlns:p16="http://schemas.microsoft.com/office/powerpoint/2015/main" val="1"/>
+                </p:ext>
+              </p:extLst>
+            </p:nvPr>
+          </p:nvSpPr>
+          <p:spPr bwMode="auto">
+            <a:xfrm>
+              <a:off x="8151962" y="1685652"/>
+              <a:ext cx="3275013" cy="4408488"/>
+            </a:xfrm>
+            <a:custGeom>
+              <a:avLst/>
+              <a:gdLst/>
+              <a:ahLst/>
+              <a:cxnLst/>
+              <a:rect l="l" t="t" r="r" b="b"/>
+              <a:pathLst>
+                <a:path w="10000" h="10000">
+                  <a:moveTo>
+                    <a:pt x="8761" y="0"/>
+                  </a:moveTo>
+                  <a:lnTo>
+                    <a:pt x="10000" y="0"/>
+                  </a:lnTo>
+                  <a:lnTo>
+                    <a:pt x="10000" y="10000"/>
+                  </a:lnTo>
+                  <a:lnTo>
+                    <a:pt x="0" y="10000"/>
+                  </a:lnTo>
+                  <a:lnTo>
+                    <a:pt x="0" y="9126"/>
+                  </a:lnTo>
+                  <a:lnTo>
+                    <a:pt x="8761" y="9127"/>
+                  </a:lnTo>
+                  <a:lnTo>
+                    <a:pt x="8761" y="0"/>
+                  </a:lnTo>
+                  <a:close/>
+                </a:path>
+              </a:pathLst>
+            </a:custGeom>
+            <a:solidFill>
+              <a:schemeClr val="tx2"/>
+            </a:solidFill>
+            <a:ln w="0">
+              <a:noFill/>
+              <a:prstDash val="solid"/>
+              <a:round/>
+              <a:headEnd/>
+              <a:tailEnd/>
+            </a:ln>
+          </p:spPr>
+        </p:sp>
+        <p:sp>
+          <p:nvSpPr>
+            <p:cNvPr id="11" name="Freeform 6">
+              <a:extLst>
+                <a:ext uri="{FF2B5EF4-FFF2-40B4-BE49-F238E27FC236}">
+                  <a16:creationId xmlns:a16="http://schemas.microsoft.com/office/drawing/2014/main" id="{1DBD6488-9429-4FFA-8AE8-C4022C39B0F2}"/>
+                </a:ext>
+              </a:extLst>
+            </p:cNvPr>
+            <p:cNvSpPr/>
+            <p:nvPr>
+              <p:extLst>
+                <p:ext uri="{386F3935-93C4-4BCD-93E2-E3B085C9AB24}">
+                  <p16:designElem xmlns:p16="http://schemas.microsoft.com/office/powerpoint/2015/main" val="1"/>
+                </p:ext>
+              </p:extLst>
+            </p:nvPr>
+          </p:nvSpPr>
+          <p:spPr bwMode="auto">
+            <a:xfrm flipH="1" flipV="1">
+              <a:off x="752858" y="744469"/>
+              <a:ext cx="3275668" cy="4408488"/>
+            </a:xfrm>
+            <a:custGeom>
+              <a:avLst/>
+              <a:gdLst/>
+              <a:ahLst/>
+              <a:cxnLst/>
+              <a:rect l="l" t="t" r="r" b="b"/>
+              <a:pathLst>
+                <a:path w="10002" h="10000">
+                  <a:moveTo>
+                    <a:pt x="8763" y="0"/>
+                  </a:moveTo>
+                  <a:lnTo>
+                    <a:pt x="10002" y="0"/>
+                  </a:lnTo>
+                  <a:lnTo>
+                    <a:pt x="10002" y="10000"/>
+                  </a:lnTo>
+                  <a:lnTo>
+                    <a:pt x="2" y="10000"/>
+                  </a:lnTo>
+                  <a:cubicBezTo>
+                    <a:pt x="-2" y="9698"/>
+                    <a:pt x="4" y="9427"/>
+                    <a:pt x="0" y="9125"/>
+                  </a:cubicBezTo>
+                  <a:lnTo>
+                    <a:pt x="8763" y="9128"/>
+                  </a:lnTo>
+                  <a:lnTo>
+                    <a:pt x="8763" y="0"/>
+                  </a:lnTo>
+                  <a:close/>
+                </a:path>
+              </a:pathLst>
+            </a:custGeom>
+            <a:solidFill>
+              <a:schemeClr val="tx2"/>
+            </a:solidFill>
+            <a:ln w="0">
+              <a:noFill/>
+              <a:prstDash val="solid"/>
+              <a:round/>
+              <a:headEnd/>
+              <a:tailEnd/>
+            </a:ln>
+          </p:spPr>
+        </p:sp>
+      </p:grpSp>
+      <p:pic>
+        <p:nvPicPr>
+          <p:cNvPr id="4" name="Content Placeholder 3">
+            <a:extLst>
+              <a:ext uri="{FF2B5EF4-FFF2-40B4-BE49-F238E27FC236}">
+                <a16:creationId xmlns:a16="http://schemas.microsoft.com/office/drawing/2014/main" id="{95042408-F26B-4204-9A30-B36F2B5AD567}"/>
+              </a:ext>
+            </a:extLst>
+          </p:cNvPr>
+          <p:cNvPicPr>
+            <a:picLocks noGrp="1" noChangeAspect="1"/>
+          </p:cNvPicPr>
+          <p:nvPr>
+            <p:ph idx="1"/>
+          </p:nvPr>
+        </p:nvPicPr>
+        <p:blipFill rotWithShape="1">
+          <a:blip r:embed="rId2"/>
+          <a:srcRect l="5700" r="-2" b="-2"/>
+          <a:stretch/>
+        </p:blipFill>
+        <p:spPr>
+          <a:xfrm>
+            <a:off x="4639056" y="10"/>
+            <a:ext cx="7552944" cy="6857990"/>
+          </a:xfrm>
+          <a:prstGeom prst="rect">
+            <a:avLst/>
+          </a:prstGeom>
+          <a:ln>
+            <a:noFill/>
+          </a:ln>
+          <a:effectLst/>
+        </p:spPr>
+      </p:pic>
+      <p:sp>
+        <p:nvSpPr>
+          <p:cNvPr id="2" name="Title 1">
+            <a:extLst>
+              <a:ext uri="{FF2B5EF4-FFF2-40B4-BE49-F238E27FC236}">
+                <a16:creationId xmlns:a16="http://schemas.microsoft.com/office/drawing/2014/main" id="{50F6463F-AD01-4E11-A8B2-503FEE6B1268}"/>
+              </a:ext>
+            </a:extLst>
+          </p:cNvPr>
+          <p:cNvSpPr>
+            <a:spLocks noGrp="1"/>
+          </p:cNvSpPr>
+          <p:nvPr>
+            <p:ph type="title"/>
+          </p:nvPr>
+        </p:nvSpPr>
+        <p:spPr>
+          <a:xfrm>
+            <a:off x="1668544" y="1649691"/>
+            <a:ext cx="2611225" cy="2236989"/>
+          </a:xfrm>
+        </p:spPr>
+        <p:txBody>
+          <a:bodyPr vert="horz" lIns="91440" tIns="45720" rIns="91440" bIns="45720" rtlCol="0" anchor="b">
+            <a:normAutofit/>
+          </a:bodyPr>
+          <a:lstStyle/>
+          <a:p>
+            <a:pPr algn="ctr"/>
+            <a:r>
+              <a:rPr lang="en-US" sz="3000" cap="all" dirty="0"/>
+              <a:t>Logistic Regression</a:t>
+            </a:r>
+            <a:br>
+              <a:rPr lang="en-US" sz="3000" cap="all" dirty="0"/>
+            </a:br>
+            <a:r>
+              <a:rPr lang="en-US" sz="3000" cap="all" dirty="0"/>
+              <a:t>Confusion Matrix</a:t>
+            </a:r>
+          </a:p>
+        </p:txBody>
+      </p:sp>
+    </p:spTree>
+    <p:extLst>
+      <p:ext uri="{BB962C8B-B14F-4D97-AF65-F5344CB8AC3E}">
+        <p14:creationId xmlns:p14="http://schemas.microsoft.com/office/powerpoint/2010/main" val="2340446241"/>
+      </p:ext>
+    </p:extLst>
+  </p:cSld>
+  <p:clrMapOvr>
+    <a:masterClrMapping/>
+  </p:clrMapOvr>
+</p:sld>
+</file>
+
+<file path=ppt/slides/slide22.xml><?xml version="1.0" encoding="utf-8"?>
+<p:sld xmlns:a="http://schemas.openxmlformats.org/drawingml/2006/main" xmlns:r="http://schemas.openxmlformats.org/officeDocument/2006/relationships" xmlns:p="http://schemas.openxmlformats.org/presentationml/2006/main">
+  <p:cSld>
+    <p:spTree>
+      <p:nvGrpSpPr>
+        <p:cNvPr id="1" name=""/>
+        <p:cNvGrpSpPr/>
+        <p:nvPr/>
+      </p:nvGrpSpPr>
+      <p:grpSpPr>
+        <a:xfrm>
+          <a:off x="0" y="0"/>
+          <a:ext cx="0" cy="0"/>
+          <a:chOff x="0" y="0"/>
+          <a:chExt cx="0" cy="0"/>
+        </a:xfrm>
+      </p:grpSpPr>
+      <p:sp>
+        <p:nvSpPr>
+          <p:cNvPr id="2" name="Title 1">
+            <a:extLst>
+              <a:ext uri="{FF2B5EF4-FFF2-40B4-BE49-F238E27FC236}">
+                <a16:creationId xmlns:a16="http://schemas.microsoft.com/office/drawing/2014/main" id="{5CE87D62-59A9-424F-8515-11F06358D782}"/>
+              </a:ext>
+            </a:extLst>
+          </p:cNvPr>
+          <p:cNvSpPr>
+            <a:spLocks noGrp="1"/>
+          </p:cNvSpPr>
+          <p:nvPr>
+            <p:ph type="title"/>
+          </p:nvPr>
+        </p:nvSpPr>
+        <p:spPr/>
+        <p:txBody>
+          <a:bodyPr/>
+          <a:lstStyle/>
+          <a:p>
+            <a:r>
+              <a:rPr lang="en-US" b="1" dirty="0"/>
+              <a:t>RANDOM FOREST</a:t>
+            </a:r>
+          </a:p>
+        </p:txBody>
+      </p:sp>
+      <p:sp>
+        <p:nvSpPr>
+          <p:cNvPr id="3" name="Content Placeholder 2">
+            <a:extLst>
+              <a:ext uri="{FF2B5EF4-FFF2-40B4-BE49-F238E27FC236}">
+                <a16:creationId xmlns:a16="http://schemas.microsoft.com/office/drawing/2014/main" id="{67F1152B-CE2B-49CF-9532-899EAFC3B811}"/>
+              </a:ext>
+            </a:extLst>
+          </p:cNvPr>
+          <p:cNvSpPr>
+            <a:spLocks noGrp="1"/>
+          </p:cNvSpPr>
+          <p:nvPr>
+            <p:ph idx="1"/>
+          </p:nvPr>
+        </p:nvSpPr>
+        <p:spPr/>
+        <p:txBody>
+          <a:bodyPr>
+            <a:normAutofit/>
+          </a:bodyPr>
+          <a:lstStyle/>
+          <a:p>
+            <a:r>
+              <a:rPr lang="en-US" dirty="0"/>
+              <a:t>Accuracy score on train data: 0.996687</a:t>
+            </a:r>
+          </a:p>
+          <a:p>
+            <a:r>
+              <a:rPr lang="en-US" dirty="0"/>
+              <a:t>Accuracy score on valid data: 0.922822</a:t>
+            </a:r>
+          </a:p>
+          <a:p>
+            <a:r>
+              <a:rPr lang="en-US" dirty="0"/>
+              <a:t>Classification Report:</a:t>
+            </a:r>
+          </a:p>
+          <a:p>
+            <a:pPr marL="530352" lvl="1" indent="0">
+              <a:buNone/>
+            </a:pPr>
+            <a:r>
+              <a:rPr lang="en-US" i="0" dirty="0"/>
+              <a:t>             precision    recall  f1-score   support</a:t>
+            </a:r>
+          </a:p>
+          <a:p>
+            <a:pPr marL="530352" lvl="1" indent="0">
+              <a:buNone/>
+            </a:pPr>
+            <a:endParaRPr lang="en-US" i="0" dirty="0"/>
+          </a:p>
+          <a:p>
+            <a:pPr marL="987552" lvl="2" indent="0">
+              <a:buNone/>
+            </a:pPr>
+            <a:r>
+              <a:rPr lang="en-US" i="0" dirty="0"/>
+              <a:t>          0       1.00      0.99      0.99     10253</a:t>
+            </a:r>
+          </a:p>
+          <a:p>
+            <a:pPr marL="987552" lvl="2" indent="0">
+              <a:buNone/>
+            </a:pPr>
+            <a:r>
+              <a:rPr lang="en-US" i="0" dirty="0"/>
+              <a:t>          1       0.89      0.88      0.89     10318</a:t>
+            </a:r>
+          </a:p>
+          <a:p>
+            <a:pPr marL="987552" lvl="2" indent="0">
+              <a:buNone/>
+            </a:pPr>
+            <a:r>
+              <a:rPr lang="en-US" i="0" dirty="0"/>
+              <a:t>          2       0.88      0.90      0.89     10215</a:t>
+            </a:r>
+          </a:p>
+          <a:p>
+            <a:pPr marL="530352" lvl="1" indent="0">
+              <a:buNone/>
+            </a:pPr>
+            <a:r>
+              <a:rPr lang="en-US" sz="1800" i="0" dirty="0"/>
+              <a:t>   </a:t>
+            </a:r>
+            <a:r>
+              <a:rPr lang="en-US" sz="1800" i="0" dirty="0" err="1"/>
+              <a:t>avg</a:t>
+            </a:r>
+            <a:r>
+              <a:rPr lang="en-US" sz="1800" i="0" dirty="0"/>
+              <a:t> / total       0.92      0.92      0.92     30786</a:t>
+            </a:r>
+          </a:p>
+        </p:txBody>
+      </p:sp>
+    </p:spTree>
+    <p:extLst>
+      <p:ext uri="{BB962C8B-B14F-4D97-AF65-F5344CB8AC3E}">
+        <p14:creationId xmlns:p14="http://schemas.microsoft.com/office/powerpoint/2010/main" val="530393244"/>
+      </p:ext>
+    </p:extLst>
+  </p:cSld>
+  <p:clrMapOvr>
+    <a:masterClrMapping/>
+  </p:clrMapOvr>
+</p:sld>
+</file>
+
+<file path=ppt/slides/slide23.xml><?xml version="1.0" encoding="utf-8"?>
+<p:sld xmlns:a="http://schemas.openxmlformats.org/drawingml/2006/main" xmlns:r="http://schemas.openxmlformats.org/officeDocument/2006/relationships" xmlns:p="http://schemas.openxmlformats.org/presentationml/2006/main">
+  <p:cSld>
+    <p:bg>
+      <p:bgPr>
+        <a:solidFill>
+          <a:schemeClr val="bg2"/>
+        </a:solidFill>
+        <a:effectLst/>
+      </p:bgPr>
+    </p:bg>
+    <p:spTree>
+      <p:nvGrpSpPr>
+        <p:cNvPr id="1" name=""/>
+        <p:cNvGrpSpPr/>
+        <p:nvPr/>
+      </p:nvGrpSpPr>
+      <p:grpSpPr>
+        <a:xfrm>
+          <a:off x="0" y="0"/>
+          <a:ext cx="0" cy="0"/>
+          <a:chOff x="0" y="0"/>
+          <a:chExt cx="0" cy="0"/>
+        </a:xfrm>
+      </p:grpSpPr>
+      <p:grpSp>
+        <p:nvGrpSpPr>
+          <p:cNvPr id="10" name="Group 9">
+            <a:extLst>
+              <a:ext uri="{FF2B5EF4-FFF2-40B4-BE49-F238E27FC236}">
+                <a16:creationId xmlns:a16="http://schemas.microsoft.com/office/drawing/2014/main" id="{9D9D6BF1-DFF2-4526-9D13-BF339D8C4163}"/>
+              </a:ext>
+            </a:extLst>
+          </p:cNvPr>
+          <p:cNvGrpSpPr>
+            <a:grpSpLocks noGrp="1" noUngrp="1" noRot="1" noChangeAspect="1" noMove="1" noResize="1"/>
+          </p:cNvGrpSpPr>
+          <p:nvPr>
+            <p:extLst>
+              <p:ext uri="{386F3935-93C4-4BCD-93E2-E3B085C9AB24}">
+                <p16:designElem xmlns:p16="http://schemas.microsoft.com/office/powerpoint/2015/main" val="1"/>
+              </p:ext>
+            </p:extLst>
+          </p:nvPr>
+        </p:nvGrpSpPr>
+        <p:grpSpPr>
+          <a:xfrm>
+            <a:off x="752858" y="744469"/>
+            <a:ext cx="10674117" cy="5349671"/>
+            <a:chOff x="752858" y="744469"/>
+            <a:chExt cx="10674117" cy="5349671"/>
+          </a:xfrm>
+        </p:grpSpPr>
+        <p:sp>
+          <p:nvSpPr>
+            <p:cNvPr id="11" name="Freeform 6">
+              <a:extLst>
+                <a:ext uri="{FF2B5EF4-FFF2-40B4-BE49-F238E27FC236}">
+                  <a16:creationId xmlns:a16="http://schemas.microsoft.com/office/drawing/2014/main" id="{A54D4DB6-FB18-4CAE-8905-E0053C92569E}"/>
+                </a:ext>
+              </a:extLst>
+            </p:cNvPr>
+            <p:cNvSpPr/>
+            <p:nvPr>
+              <p:extLst>
+                <p:ext uri="{386F3935-93C4-4BCD-93E2-E3B085C9AB24}">
+                  <p16:designElem xmlns:p16="http://schemas.microsoft.com/office/powerpoint/2015/main" val="1"/>
+                </p:ext>
+              </p:extLst>
+            </p:nvPr>
+          </p:nvSpPr>
+          <p:spPr bwMode="auto">
+            <a:xfrm>
+              <a:off x="8151962" y="1685652"/>
+              <a:ext cx="3275013" cy="4408488"/>
+            </a:xfrm>
+            <a:custGeom>
+              <a:avLst/>
+              <a:gdLst/>
+              <a:ahLst/>
+              <a:cxnLst/>
+              <a:rect l="l" t="t" r="r" b="b"/>
+              <a:pathLst>
+                <a:path w="10000" h="10000">
+                  <a:moveTo>
+                    <a:pt x="8761" y="0"/>
+                  </a:moveTo>
+                  <a:lnTo>
+                    <a:pt x="10000" y="0"/>
+                  </a:lnTo>
+                  <a:lnTo>
+                    <a:pt x="10000" y="10000"/>
+                  </a:lnTo>
+                  <a:lnTo>
+                    <a:pt x="0" y="10000"/>
+                  </a:lnTo>
+                  <a:lnTo>
+                    <a:pt x="0" y="9126"/>
+                  </a:lnTo>
+                  <a:lnTo>
+                    <a:pt x="8761" y="9127"/>
+                  </a:lnTo>
+                  <a:lnTo>
+                    <a:pt x="8761" y="0"/>
+                  </a:lnTo>
+                  <a:close/>
+                </a:path>
+              </a:pathLst>
+            </a:custGeom>
+            <a:solidFill>
+              <a:schemeClr val="tx2"/>
+            </a:solidFill>
+            <a:ln w="0">
+              <a:noFill/>
+              <a:prstDash val="solid"/>
+              <a:round/>
+              <a:headEnd/>
+              <a:tailEnd/>
+            </a:ln>
+          </p:spPr>
+        </p:sp>
+        <p:sp>
+          <p:nvSpPr>
+            <p:cNvPr id="12" name="Freeform 6">
+              <a:extLst>
+                <a:ext uri="{FF2B5EF4-FFF2-40B4-BE49-F238E27FC236}">
+                  <a16:creationId xmlns:a16="http://schemas.microsoft.com/office/drawing/2014/main" id="{1DBD6488-9429-4FFA-8AE8-C4022C39B0F2}"/>
+                </a:ext>
+              </a:extLst>
+            </p:cNvPr>
+            <p:cNvSpPr/>
+            <p:nvPr>
+              <p:extLst>
+                <p:ext uri="{386F3935-93C4-4BCD-93E2-E3B085C9AB24}">
+                  <p16:designElem xmlns:p16="http://schemas.microsoft.com/office/powerpoint/2015/main" val="1"/>
+                </p:ext>
+              </p:extLst>
+            </p:nvPr>
+          </p:nvSpPr>
+          <p:spPr bwMode="auto">
+            <a:xfrm flipH="1" flipV="1">
+              <a:off x="752858" y="744469"/>
+              <a:ext cx="3275668" cy="4408488"/>
+            </a:xfrm>
+            <a:custGeom>
+              <a:avLst/>
+              <a:gdLst/>
+              <a:ahLst/>
+              <a:cxnLst/>
+              <a:rect l="l" t="t" r="r" b="b"/>
+              <a:pathLst>
+                <a:path w="10002" h="10000">
+                  <a:moveTo>
+                    <a:pt x="8763" y="0"/>
+                  </a:moveTo>
+                  <a:lnTo>
+                    <a:pt x="10002" y="0"/>
+                  </a:lnTo>
+                  <a:lnTo>
+                    <a:pt x="10002" y="10000"/>
+                  </a:lnTo>
+                  <a:lnTo>
+                    <a:pt x="2" y="10000"/>
+                  </a:lnTo>
+                  <a:cubicBezTo>
+                    <a:pt x="-2" y="9698"/>
+                    <a:pt x="4" y="9427"/>
+                    <a:pt x="0" y="9125"/>
+                  </a:cubicBezTo>
+                  <a:lnTo>
+                    <a:pt x="8763" y="9128"/>
+                  </a:lnTo>
+                  <a:lnTo>
+                    <a:pt x="8763" y="0"/>
+                  </a:lnTo>
+                  <a:close/>
+                </a:path>
+              </a:pathLst>
+            </a:custGeom>
+            <a:solidFill>
+              <a:schemeClr val="tx2"/>
+            </a:solidFill>
+            <a:ln w="0">
+              <a:noFill/>
+              <a:prstDash val="solid"/>
+              <a:round/>
+              <a:headEnd/>
+              <a:tailEnd/>
+            </a:ln>
+          </p:spPr>
+        </p:sp>
+      </p:grpSp>
+      <p:pic>
+        <p:nvPicPr>
+          <p:cNvPr id="7" name="Content Placeholder 3">
+            <a:extLst>
+              <a:ext uri="{FF2B5EF4-FFF2-40B4-BE49-F238E27FC236}">
+                <a16:creationId xmlns:a16="http://schemas.microsoft.com/office/drawing/2014/main" id="{0F392AF2-DF66-4ACF-91E8-61F7FB969360}"/>
+              </a:ext>
+            </a:extLst>
+          </p:cNvPr>
+          <p:cNvPicPr>
+            <a:picLocks noGrp="1" noChangeAspect="1"/>
+          </p:cNvPicPr>
+          <p:nvPr>
+            <p:ph idx="1"/>
+          </p:nvPr>
+        </p:nvPicPr>
+        <p:blipFill rotWithShape="1">
+          <a:blip r:embed="rId2"/>
+          <a:srcRect l="6807" r="1375" b="-1"/>
+          <a:stretch/>
+        </p:blipFill>
+        <p:spPr>
+          <a:xfrm>
+            <a:off x="4639056" y="10"/>
+            <a:ext cx="7552944" cy="6857990"/>
+          </a:xfrm>
+          <a:prstGeom prst="rect">
+            <a:avLst/>
+          </a:prstGeom>
+          <a:ln>
+            <a:noFill/>
+          </a:ln>
+          <a:effectLst/>
+        </p:spPr>
+      </p:pic>
+      <p:sp>
+        <p:nvSpPr>
+          <p:cNvPr id="2" name="Title 1">
+            <a:extLst>
+              <a:ext uri="{FF2B5EF4-FFF2-40B4-BE49-F238E27FC236}">
+                <a16:creationId xmlns:a16="http://schemas.microsoft.com/office/drawing/2014/main" id="{07DA3302-BB48-4C88-8DFB-55BF3028D508}"/>
+              </a:ext>
+            </a:extLst>
+          </p:cNvPr>
+          <p:cNvSpPr>
+            <a:spLocks noGrp="1"/>
+          </p:cNvSpPr>
+          <p:nvPr>
+            <p:ph type="title"/>
+          </p:nvPr>
+        </p:nvSpPr>
+        <p:spPr>
+          <a:xfrm>
+            <a:off x="1491176" y="1649691"/>
+            <a:ext cx="2788594" cy="2236989"/>
+          </a:xfrm>
+        </p:spPr>
+        <p:txBody>
+          <a:bodyPr vert="horz" lIns="91440" tIns="45720" rIns="91440" bIns="45720" rtlCol="0" anchor="b">
+            <a:normAutofit fontScale="90000"/>
+          </a:bodyPr>
+          <a:lstStyle/>
+          <a:p>
+            <a:pPr algn="ctr"/>
+            <a:r>
+              <a:rPr lang="en-US" b="1" dirty="0"/>
+              <a:t>RANDOM FOREST</a:t>
+            </a:r>
+            <a:br>
+              <a:rPr lang="en-US" b="1" dirty="0"/>
+            </a:br>
+            <a:r>
+              <a:rPr lang="en-US" b="1" dirty="0"/>
+              <a:t>CONFUSION MATRIX</a:t>
+            </a:r>
+            <a:endParaRPr lang="en-US" sz="5400" cap="all" dirty="0"/>
+          </a:p>
+        </p:txBody>
+      </p:sp>
+    </p:spTree>
+    <p:extLst>
+      <p:ext uri="{BB962C8B-B14F-4D97-AF65-F5344CB8AC3E}">
+        <p14:creationId xmlns:p14="http://schemas.microsoft.com/office/powerpoint/2010/main" val="4083925349"/>
+      </p:ext>
+    </p:extLst>
+  </p:cSld>
+  <p:clrMapOvr>
+    <a:masterClrMapping/>
+  </p:clrMapOvr>
+</p:sld>
+</file>
+
+<file path=ppt/slides/slide24.xml><?xml version="1.0" encoding="utf-8"?>
+<p:sld xmlns:a="http://schemas.openxmlformats.org/drawingml/2006/main" xmlns:r="http://schemas.openxmlformats.org/officeDocument/2006/relationships" xmlns:p="http://schemas.openxmlformats.org/presentationml/2006/main">
+  <p:cSld>
+    <p:spTree>
+      <p:nvGrpSpPr>
+        <p:cNvPr id="1" name=""/>
+        <p:cNvGrpSpPr/>
+        <p:nvPr/>
+      </p:nvGrpSpPr>
+      <p:grpSpPr>
+        <a:xfrm>
+          <a:off x="0" y="0"/>
+          <a:ext cx="0" cy="0"/>
+          <a:chOff x="0" y="0"/>
+          <a:chExt cx="0" cy="0"/>
+        </a:xfrm>
+      </p:grpSpPr>
+      <p:sp>
+        <p:nvSpPr>
+          <p:cNvPr id="2" name="Title 1">
+            <a:extLst>
+              <a:ext uri="{FF2B5EF4-FFF2-40B4-BE49-F238E27FC236}">
+                <a16:creationId xmlns:a16="http://schemas.microsoft.com/office/drawing/2014/main" id="{3C07810A-CDA1-4D53-84D0-DC2FD03C687F}"/>
+              </a:ext>
+            </a:extLst>
+          </p:cNvPr>
+          <p:cNvSpPr>
+            <a:spLocks noGrp="1"/>
+          </p:cNvSpPr>
+          <p:nvPr>
+            <p:ph type="title"/>
+          </p:nvPr>
+        </p:nvSpPr>
+        <p:spPr/>
+        <p:txBody>
+          <a:bodyPr/>
+          <a:lstStyle/>
+          <a:p>
+            <a:r>
+              <a:rPr lang="en-US" dirty="0"/>
+              <a:t>SUPPORT VECTOR MACHINES</a:t>
+            </a:r>
+          </a:p>
+        </p:txBody>
+      </p:sp>
+      <p:sp>
+        <p:nvSpPr>
+          <p:cNvPr id="3" name="Content Placeholder 2">
+            <a:extLst>
+              <a:ext uri="{FF2B5EF4-FFF2-40B4-BE49-F238E27FC236}">
+                <a16:creationId xmlns:a16="http://schemas.microsoft.com/office/drawing/2014/main" id="{2E3922EA-F56B-40B5-B41E-045A44F71749}"/>
+              </a:ext>
+            </a:extLst>
+          </p:cNvPr>
+          <p:cNvSpPr>
+            <a:spLocks noGrp="1"/>
+          </p:cNvSpPr>
+          <p:nvPr>
+            <p:ph idx="1"/>
+          </p:nvPr>
+        </p:nvSpPr>
+        <p:spPr/>
+        <p:txBody>
+          <a:bodyPr>
+            <a:normAutofit/>
+          </a:bodyPr>
+          <a:lstStyle/>
+          <a:p>
+            <a:r>
+              <a:rPr lang="en-US" dirty="0"/>
+              <a:t>Accuracy score on train data: 0.837090</a:t>
+            </a:r>
+          </a:p>
+          <a:p>
+            <a:r>
+              <a:rPr lang="en-US" dirty="0"/>
+              <a:t>Accuracy score on valid data: 0.831254</a:t>
+            </a:r>
+          </a:p>
+          <a:p>
+            <a:r>
+              <a:rPr lang="en-US" dirty="0"/>
+              <a:t>Classification Report:</a:t>
+            </a:r>
+          </a:p>
+          <a:p>
+            <a:pPr marL="530352" lvl="1" indent="0">
+              <a:buNone/>
+            </a:pPr>
+            <a:r>
+              <a:rPr lang="en-US" i="0" dirty="0"/>
+              <a:t>             </a:t>
+            </a:r>
+            <a:r>
+              <a:rPr lang="en-US" sz="1800" i="0" dirty="0"/>
+              <a:t>precision    recall  f1-score   support</a:t>
+            </a:r>
+          </a:p>
+          <a:p>
+            <a:pPr marL="530352" lvl="1" indent="0">
+              <a:buNone/>
+            </a:pPr>
+            <a:r>
+              <a:rPr lang="en-US" sz="1800" i="0" dirty="0"/>
+              <a:t>          0       1.00      0.94      0.97     10253</a:t>
+            </a:r>
+          </a:p>
+          <a:p>
+            <a:pPr marL="530352" lvl="1" indent="0">
+              <a:buNone/>
+            </a:pPr>
+            <a:r>
+              <a:rPr lang="en-US" sz="1800" i="0" dirty="0"/>
+              <a:t>          1       0.82      0.67      0.74     10318</a:t>
+            </a:r>
+          </a:p>
+          <a:p>
+            <a:pPr marL="530352" lvl="1" indent="0">
+              <a:buNone/>
+            </a:pPr>
+            <a:r>
+              <a:rPr lang="en-US" sz="1800" i="0" dirty="0"/>
+              <a:t>          2       0.71      0.88      0.78     10215  </a:t>
+            </a:r>
+          </a:p>
+          <a:p>
+            <a:pPr marL="530352" lvl="1" indent="0">
+              <a:buNone/>
+            </a:pPr>
+            <a:r>
+              <a:rPr lang="en-US" sz="1800" i="0" dirty="0" err="1"/>
+              <a:t>avg</a:t>
+            </a:r>
+            <a:r>
+              <a:rPr lang="en-US" sz="1800" i="0" dirty="0"/>
+              <a:t> / total       0.84      0.83      0.83     30786</a:t>
+            </a:r>
+          </a:p>
+        </p:txBody>
+      </p:sp>
+    </p:spTree>
+    <p:extLst>
+      <p:ext uri="{BB962C8B-B14F-4D97-AF65-F5344CB8AC3E}">
+        <p14:creationId xmlns:p14="http://schemas.microsoft.com/office/powerpoint/2010/main" val="1303306188"/>
+      </p:ext>
+    </p:extLst>
+  </p:cSld>
+  <p:clrMapOvr>
+    <a:masterClrMapping/>
+  </p:clrMapOvr>
+</p:sld>
+</file>
+
+<file path=ppt/slides/slide25.xml><?xml version="1.0" encoding="utf-8"?>
+<p:sld xmlns:a="http://schemas.openxmlformats.org/drawingml/2006/main" xmlns:r="http://schemas.openxmlformats.org/officeDocument/2006/relationships" xmlns:p="http://schemas.openxmlformats.org/presentationml/2006/main">
+  <p:cSld>
+    <p:bg>
+      <p:bgPr>
+        <a:solidFill>
+          <a:schemeClr val="bg2"/>
+        </a:solidFill>
+        <a:effectLst/>
+      </p:bgPr>
+    </p:bg>
+    <p:spTree>
+      <p:nvGrpSpPr>
+        <p:cNvPr id="1" name=""/>
+        <p:cNvGrpSpPr/>
+        <p:nvPr/>
+      </p:nvGrpSpPr>
+      <p:grpSpPr>
+        <a:xfrm>
+          <a:off x="0" y="0"/>
+          <a:ext cx="0" cy="0"/>
+          <a:chOff x="0" y="0"/>
+          <a:chExt cx="0" cy="0"/>
+        </a:xfrm>
+      </p:grpSpPr>
+      <p:grpSp>
+        <p:nvGrpSpPr>
+          <p:cNvPr id="9" name="Group 8">
+            <a:extLst>
+              <a:ext uri="{FF2B5EF4-FFF2-40B4-BE49-F238E27FC236}">
+                <a16:creationId xmlns:a16="http://schemas.microsoft.com/office/drawing/2014/main" id="{9D9D6BF1-DFF2-4526-9D13-BF339D8C4163}"/>
+              </a:ext>
+            </a:extLst>
+          </p:cNvPr>
+          <p:cNvGrpSpPr>
+            <a:grpSpLocks noGrp="1" noUngrp="1" noRot="1" noChangeAspect="1" noMove="1" noResize="1"/>
+          </p:cNvGrpSpPr>
+          <p:nvPr>
+            <p:extLst>
+              <p:ext uri="{386F3935-93C4-4BCD-93E2-E3B085C9AB24}">
+                <p16:designElem xmlns:p16="http://schemas.microsoft.com/office/powerpoint/2015/main" val="1"/>
+              </p:ext>
+            </p:extLst>
+          </p:nvPr>
+        </p:nvGrpSpPr>
+        <p:grpSpPr>
+          <a:xfrm>
+            <a:off x="752858" y="744469"/>
+            <a:ext cx="10674117" cy="5349671"/>
+            <a:chOff x="752858" y="744469"/>
+            <a:chExt cx="10674117" cy="5349671"/>
+          </a:xfrm>
+        </p:grpSpPr>
+        <p:sp>
+          <p:nvSpPr>
+            <p:cNvPr id="10" name="Freeform 6">
+              <a:extLst>
+                <a:ext uri="{FF2B5EF4-FFF2-40B4-BE49-F238E27FC236}">
+                  <a16:creationId xmlns:a16="http://schemas.microsoft.com/office/drawing/2014/main" id="{A54D4DB6-FB18-4CAE-8905-E0053C92569E}"/>
+                </a:ext>
+              </a:extLst>
+            </p:cNvPr>
+            <p:cNvSpPr/>
+            <p:nvPr>
+              <p:extLst>
+                <p:ext uri="{386F3935-93C4-4BCD-93E2-E3B085C9AB24}">
+                  <p16:designElem xmlns:p16="http://schemas.microsoft.com/office/powerpoint/2015/main" val="1"/>
+                </p:ext>
+              </p:extLst>
+            </p:nvPr>
+          </p:nvSpPr>
+          <p:spPr bwMode="auto">
+            <a:xfrm>
+              <a:off x="8151962" y="1685652"/>
+              <a:ext cx="3275013" cy="4408488"/>
+            </a:xfrm>
+            <a:custGeom>
+              <a:avLst/>
+              <a:gdLst/>
+              <a:ahLst/>
+              <a:cxnLst/>
+              <a:rect l="l" t="t" r="r" b="b"/>
+              <a:pathLst>
+                <a:path w="10000" h="10000">
+                  <a:moveTo>
+                    <a:pt x="8761" y="0"/>
+                  </a:moveTo>
+                  <a:lnTo>
+                    <a:pt x="10000" y="0"/>
+                  </a:lnTo>
+                  <a:lnTo>
+                    <a:pt x="10000" y="10000"/>
+                  </a:lnTo>
+                  <a:lnTo>
+                    <a:pt x="0" y="10000"/>
+                  </a:lnTo>
+                  <a:lnTo>
+                    <a:pt x="0" y="9126"/>
+                  </a:lnTo>
+                  <a:lnTo>
+                    <a:pt x="8761" y="9127"/>
+                  </a:lnTo>
+                  <a:lnTo>
+                    <a:pt x="8761" y="0"/>
+                  </a:lnTo>
+                  <a:close/>
+                </a:path>
+              </a:pathLst>
+            </a:custGeom>
+            <a:solidFill>
+              <a:schemeClr val="tx2"/>
+            </a:solidFill>
+            <a:ln w="0">
+              <a:noFill/>
+              <a:prstDash val="solid"/>
+              <a:round/>
+              <a:headEnd/>
+              <a:tailEnd/>
+            </a:ln>
+          </p:spPr>
+        </p:sp>
+        <p:sp>
+          <p:nvSpPr>
+            <p:cNvPr id="11" name="Freeform 6">
+              <a:extLst>
+                <a:ext uri="{FF2B5EF4-FFF2-40B4-BE49-F238E27FC236}">
+                  <a16:creationId xmlns:a16="http://schemas.microsoft.com/office/drawing/2014/main" id="{1DBD6488-9429-4FFA-8AE8-C4022C39B0F2}"/>
+                </a:ext>
+              </a:extLst>
+            </p:cNvPr>
+            <p:cNvSpPr/>
+            <p:nvPr>
+              <p:extLst>
+                <p:ext uri="{386F3935-93C4-4BCD-93E2-E3B085C9AB24}">
+                  <p16:designElem xmlns:p16="http://schemas.microsoft.com/office/powerpoint/2015/main" val="1"/>
+                </p:ext>
+              </p:extLst>
+            </p:nvPr>
+          </p:nvSpPr>
+          <p:spPr bwMode="auto">
+            <a:xfrm flipH="1" flipV="1">
+              <a:off x="752858" y="744469"/>
+              <a:ext cx="3275668" cy="4408488"/>
+            </a:xfrm>
+            <a:custGeom>
+              <a:avLst/>
+              <a:gdLst/>
+              <a:ahLst/>
+              <a:cxnLst/>
+              <a:rect l="l" t="t" r="r" b="b"/>
+              <a:pathLst>
+                <a:path w="10002" h="10000">
+                  <a:moveTo>
+                    <a:pt x="8763" y="0"/>
+                  </a:moveTo>
+                  <a:lnTo>
+                    <a:pt x="10002" y="0"/>
+                  </a:lnTo>
+                  <a:lnTo>
+                    <a:pt x="10002" y="10000"/>
+                  </a:lnTo>
+                  <a:lnTo>
+                    <a:pt x="2" y="10000"/>
+                  </a:lnTo>
+                  <a:cubicBezTo>
+                    <a:pt x="-2" y="9698"/>
+                    <a:pt x="4" y="9427"/>
+                    <a:pt x="0" y="9125"/>
+                  </a:cubicBezTo>
+                  <a:lnTo>
+                    <a:pt x="8763" y="9128"/>
+                  </a:lnTo>
+                  <a:lnTo>
+                    <a:pt x="8763" y="0"/>
+                  </a:lnTo>
+                  <a:close/>
+                </a:path>
+              </a:pathLst>
+            </a:custGeom>
+            <a:solidFill>
+              <a:schemeClr val="tx2"/>
+            </a:solidFill>
+            <a:ln w="0">
+              <a:noFill/>
+              <a:prstDash val="solid"/>
+              <a:round/>
+              <a:headEnd/>
+              <a:tailEnd/>
+            </a:ln>
+          </p:spPr>
+        </p:sp>
+      </p:grpSp>
+      <p:pic>
+        <p:nvPicPr>
+          <p:cNvPr id="4" name="Content Placeholder 3">
+            <a:extLst>
+              <a:ext uri="{FF2B5EF4-FFF2-40B4-BE49-F238E27FC236}">
+                <a16:creationId xmlns:a16="http://schemas.microsoft.com/office/drawing/2014/main" id="{316358B3-303B-497D-8370-D6B3A7815304}"/>
+              </a:ext>
+            </a:extLst>
+          </p:cNvPr>
+          <p:cNvPicPr>
+            <a:picLocks noGrp="1" noChangeAspect="1"/>
+          </p:cNvPicPr>
+          <p:nvPr>
+            <p:ph idx="1"/>
+          </p:nvPr>
+        </p:nvPicPr>
+        <p:blipFill rotWithShape="1">
+          <a:blip r:embed="rId2"/>
+          <a:srcRect l="7982" r="472"/>
+          <a:stretch/>
+        </p:blipFill>
+        <p:spPr>
+          <a:xfrm>
+            <a:off x="4639056" y="10"/>
+            <a:ext cx="7552944" cy="6857990"/>
+          </a:xfrm>
+          <a:prstGeom prst="rect">
+            <a:avLst/>
+          </a:prstGeom>
+          <a:ln>
+            <a:noFill/>
+          </a:ln>
+          <a:effectLst/>
+        </p:spPr>
+      </p:pic>
+      <p:sp>
+        <p:nvSpPr>
+          <p:cNvPr id="2" name="Title 1">
+            <a:extLst>
+              <a:ext uri="{FF2B5EF4-FFF2-40B4-BE49-F238E27FC236}">
+                <a16:creationId xmlns:a16="http://schemas.microsoft.com/office/drawing/2014/main" id="{08D4EEF3-0DEA-4A27-9685-AEE934704417}"/>
+              </a:ext>
+            </a:extLst>
+          </p:cNvPr>
+          <p:cNvSpPr>
+            <a:spLocks noGrp="1"/>
+          </p:cNvSpPr>
+          <p:nvPr>
+            <p:ph type="title"/>
+          </p:nvPr>
+        </p:nvSpPr>
+        <p:spPr>
+          <a:xfrm>
+            <a:off x="1219200" y="1649691"/>
+            <a:ext cx="3060569" cy="2236989"/>
+          </a:xfrm>
+        </p:spPr>
+        <p:txBody>
+          <a:bodyPr vert="horz" lIns="91440" tIns="45720" rIns="91440" bIns="45720" rtlCol="0" anchor="b">
+            <a:noAutofit/>
+          </a:bodyPr>
+          <a:lstStyle/>
+          <a:p>
+            <a:pPr algn="ctr"/>
+            <a:r>
+              <a:rPr lang="en-US" b="1" cap="all" dirty="0"/>
+              <a:t>SVM CONFUSION MATRIX</a:t>
+            </a:r>
+            <a:endParaRPr lang="en-US" cap="all" dirty="0"/>
+          </a:p>
+        </p:txBody>
+      </p:sp>
+    </p:spTree>
+    <p:extLst>
+      <p:ext uri="{BB962C8B-B14F-4D97-AF65-F5344CB8AC3E}">
+        <p14:creationId xmlns:p14="http://schemas.microsoft.com/office/powerpoint/2010/main" val="2620242527"/>
+      </p:ext>
+    </p:extLst>
+  </p:cSld>
+  <p:clrMapOvr>
+    <a:masterClrMapping/>
+  </p:clrMapOvr>
+</p:sld>
+</file>
+
+<file path=ppt/slides/slide26.xml><?xml version="1.0" encoding="utf-8"?>
+<p:sld xmlns:a="http://schemas.openxmlformats.org/drawingml/2006/main" xmlns:r="http://schemas.openxmlformats.org/officeDocument/2006/relationships" xmlns:p="http://schemas.openxmlformats.org/presentationml/2006/main">
+  <p:cSld>
+    <p:spTree>
+      <p:nvGrpSpPr>
+        <p:cNvPr id="1" name=""/>
+        <p:cNvGrpSpPr/>
+        <p:nvPr/>
+      </p:nvGrpSpPr>
+      <p:grpSpPr>
+        <a:xfrm>
+          <a:off x="0" y="0"/>
+          <a:ext cx="0" cy="0"/>
+          <a:chOff x="0" y="0"/>
+          <a:chExt cx="0" cy="0"/>
+        </a:xfrm>
+      </p:grpSpPr>
+      <p:sp>
+        <p:nvSpPr>
+          <p:cNvPr id="2" name="Title 1">
+            <a:extLst>
+              <a:ext uri="{FF2B5EF4-FFF2-40B4-BE49-F238E27FC236}">
+                <a16:creationId xmlns:a16="http://schemas.microsoft.com/office/drawing/2014/main" id="{D938316E-8FD7-41CF-ABB3-80368FED5A9D}"/>
+              </a:ext>
+            </a:extLst>
+          </p:cNvPr>
+          <p:cNvSpPr>
+            <a:spLocks noGrp="1"/>
+          </p:cNvSpPr>
+          <p:nvPr>
+            <p:ph type="title"/>
+          </p:nvPr>
+        </p:nvSpPr>
+        <p:spPr/>
+        <p:txBody>
+          <a:bodyPr>
+            <a:normAutofit fontScale="90000"/>
+          </a:bodyPr>
+          <a:lstStyle/>
+          <a:p>
+            <a:r>
+              <a:rPr lang="en-US" b="1" dirty="0"/>
+              <a:t>NAIVE BAYES CLASSIFIER</a:t>
+            </a:r>
+            <a:br>
+              <a:rPr lang="en-US" dirty="0"/>
+            </a:br>
+            <a:br>
+              <a:rPr lang="en-US" dirty="0"/>
+            </a:br>
+            <a:endParaRPr lang="en-US" dirty="0"/>
+          </a:p>
+        </p:txBody>
+      </p:sp>
+      <p:sp>
+        <p:nvSpPr>
+          <p:cNvPr id="3" name="Content Placeholder 2">
+            <a:extLst>
+              <a:ext uri="{FF2B5EF4-FFF2-40B4-BE49-F238E27FC236}">
+                <a16:creationId xmlns:a16="http://schemas.microsoft.com/office/drawing/2014/main" id="{B9346254-16E1-42AC-AFEB-9A28D33D2D20}"/>
+              </a:ext>
+            </a:extLst>
+          </p:cNvPr>
+          <p:cNvSpPr>
+            <a:spLocks noGrp="1"/>
+          </p:cNvSpPr>
+          <p:nvPr>
+            <p:ph idx="1"/>
+          </p:nvPr>
+        </p:nvSpPr>
+        <p:spPr/>
+        <p:txBody>
+          <a:bodyPr>
+            <a:normAutofit lnSpcReduction="10000"/>
+          </a:bodyPr>
+          <a:lstStyle/>
+          <a:p>
+            <a:r>
+              <a:rPr lang="en-US" dirty="0"/>
+              <a:t>Accuracy score on train data: 0.828916</a:t>
+            </a:r>
+          </a:p>
+          <a:p>
+            <a:r>
+              <a:rPr lang="en-US" dirty="0"/>
+              <a:t>Accuracy score on valid data: 0.823264</a:t>
+            </a:r>
+          </a:p>
+          <a:p>
+            <a:r>
+              <a:rPr lang="en-US" dirty="0"/>
+              <a:t>Classification Report:</a:t>
+            </a:r>
+          </a:p>
+          <a:p>
+            <a:r>
+              <a:rPr lang="en-US" dirty="0"/>
+              <a:t>             precision    recall  f1-score   support</a:t>
+            </a:r>
+          </a:p>
+          <a:p>
+            <a:endParaRPr lang="en-US" dirty="0"/>
+          </a:p>
+          <a:p>
+            <a:pPr marL="987552" lvl="2" indent="0">
+              <a:buNone/>
+            </a:pPr>
+            <a:r>
+              <a:rPr lang="en-US" dirty="0"/>
+              <a:t>          0       0.98      0.99      0.99     10253</a:t>
+            </a:r>
+          </a:p>
+          <a:p>
+            <a:pPr marL="987552" lvl="2" indent="0">
+              <a:buNone/>
+            </a:pPr>
+            <a:r>
+              <a:rPr lang="en-US" dirty="0"/>
+              <a:t>          1       0.85      0.60      0.70     10318</a:t>
+            </a:r>
+          </a:p>
+          <a:p>
+            <a:pPr marL="987552" lvl="2" indent="0">
+              <a:buNone/>
+            </a:pPr>
+            <a:r>
+              <a:rPr lang="en-US" dirty="0"/>
+              <a:t>          2       0.69      0.89      0.77     10215</a:t>
+            </a:r>
+          </a:p>
+          <a:p>
+            <a:pPr marL="0" indent="0">
+              <a:buNone/>
+            </a:pPr>
+            <a:r>
+              <a:rPr lang="en-US" dirty="0"/>
+              <a:t>	</a:t>
+            </a:r>
+            <a:r>
+              <a:rPr lang="en-US" sz="1700" dirty="0" err="1"/>
+              <a:t>avg</a:t>
+            </a:r>
+            <a:r>
+              <a:rPr lang="en-US" sz="1700" dirty="0"/>
+              <a:t> / total       0.84      0.82      0.82     30786</a:t>
+            </a:r>
+            <a:endParaRPr lang="en-US" dirty="0"/>
+          </a:p>
+        </p:txBody>
+      </p:sp>
+    </p:spTree>
+    <p:extLst>
+      <p:ext uri="{BB962C8B-B14F-4D97-AF65-F5344CB8AC3E}">
+        <p14:creationId xmlns:p14="http://schemas.microsoft.com/office/powerpoint/2010/main" val="3036394656"/>
+      </p:ext>
+    </p:extLst>
+  </p:cSld>
+  <p:clrMapOvr>
+    <a:masterClrMapping/>
+  </p:clrMapOvr>
+</p:sld>
+</file>
+
+<file path=ppt/slides/slide27.xml><?xml version="1.0" encoding="utf-8"?>
+<p:sld xmlns:a="http://schemas.openxmlformats.org/drawingml/2006/main" xmlns:r="http://schemas.openxmlformats.org/officeDocument/2006/relationships" xmlns:p="http://schemas.openxmlformats.org/presentationml/2006/main">
+  <p:cSld>
+    <p:bg>
+      <p:bgPr>
+        <a:solidFill>
+          <a:schemeClr val="bg2"/>
+        </a:solidFill>
+        <a:effectLst/>
+      </p:bgPr>
+    </p:bg>
+    <p:spTree>
+      <p:nvGrpSpPr>
+        <p:cNvPr id="1" name=""/>
+        <p:cNvGrpSpPr/>
+        <p:nvPr/>
+      </p:nvGrpSpPr>
+      <p:grpSpPr>
+        <a:xfrm>
+          <a:off x="0" y="0"/>
+          <a:ext cx="0" cy="0"/>
+          <a:chOff x="0" y="0"/>
+          <a:chExt cx="0" cy="0"/>
+        </a:xfrm>
+      </p:grpSpPr>
+      <p:grpSp>
+        <p:nvGrpSpPr>
+          <p:cNvPr id="10" name="Group 9">
+            <a:extLst>
+              <a:ext uri="{FF2B5EF4-FFF2-40B4-BE49-F238E27FC236}">
+                <a16:creationId xmlns:a16="http://schemas.microsoft.com/office/drawing/2014/main" id="{9D9D6BF1-DFF2-4526-9D13-BF339D8C4163}"/>
+              </a:ext>
+            </a:extLst>
+          </p:cNvPr>
+          <p:cNvGrpSpPr>
+            <a:grpSpLocks noGrp="1" noUngrp="1" noRot="1" noChangeAspect="1" noMove="1" noResize="1"/>
+          </p:cNvGrpSpPr>
+          <p:nvPr>
+            <p:extLst>
+              <p:ext uri="{386F3935-93C4-4BCD-93E2-E3B085C9AB24}">
+                <p16:designElem xmlns:p16="http://schemas.microsoft.com/office/powerpoint/2015/main" val="1"/>
+              </p:ext>
+            </p:extLst>
+          </p:nvPr>
+        </p:nvGrpSpPr>
+        <p:grpSpPr>
+          <a:xfrm>
+            <a:off x="752858" y="744469"/>
+            <a:ext cx="10674117" cy="5349671"/>
+            <a:chOff x="752858" y="744469"/>
+            <a:chExt cx="10674117" cy="5349671"/>
+          </a:xfrm>
+        </p:grpSpPr>
+        <p:sp>
+          <p:nvSpPr>
+            <p:cNvPr id="11" name="Freeform 6">
+              <a:extLst>
+                <a:ext uri="{FF2B5EF4-FFF2-40B4-BE49-F238E27FC236}">
+                  <a16:creationId xmlns:a16="http://schemas.microsoft.com/office/drawing/2014/main" id="{A54D4DB6-FB18-4CAE-8905-E0053C92569E}"/>
+                </a:ext>
+              </a:extLst>
+            </p:cNvPr>
+            <p:cNvSpPr/>
+            <p:nvPr>
+              <p:extLst>
+                <p:ext uri="{386F3935-93C4-4BCD-93E2-E3B085C9AB24}">
+                  <p16:designElem xmlns:p16="http://schemas.microsoft.com/office/powerpoint/2015/main" val="1"/>
+                </p:ext>
+              </p:extLst>
+            </p:nvPr>
+          </p:nvSpPr>
+          <p:spPr bwMode="auto">
+            <a:xfrm>
+              <a:off x="8151962" y="1685652"/>
+              <a:ext cx="3275013" cy="4408488"/>
+            </a:xfrm>
+            <a:custGeom>
+              <a:avLst/>
+              <a:gdLst/>
+              <a:ahLst/>
+              <a:cxnLst/>
+              <a:rect l="l" t="t" r="r" b="b"/>
+              <a:pathLst>
+                <a:path w="10000" h="10000">
+                  <a:moveTo>
+                    <a:pt x="8761" y="0"/>
+                  </a:moveTo>
+                  <a:lnTo>
+                    <a:pt x="10000" y="0"/>
+                  </a:lnTo>
+                  <a:lnTo>
+                    <a:pt x="10000" y="10000"/>
+                  </a:lnTo>
+                  <a:lnTo>
+                    <a:pt x="0" y="10000"/>
+                  </a:lnTo>
+                  <a:lnTo>
+                    <a:pt x="0" y="9126"/>
+                  </a:lnTo>
+                  <a:lnTo>
+                    <a:pt x="8761" y="9127"/>
+                  </a:lnTo>
+                  <a:lnTo>
+                    <a:pt x="8761" y="0"/>
+                  </a:lnTo>
+                  <a:close/>
+                </a:path>
+              </a:pathLst>
+            </a:custGeom>
+            <a:solidFill>
+              <a:schemeClr val="tx2"/>
+            </a:solidFill>
+            <a:ln w="0">
+              <a:noFill/>
+              <a:prstDash val="solid"/>
+              <a:round/>
+              <a:headEnd/>
+              <a:tailEnd/>
+            </a:ln>
+          </p:spPr>
+        </p:sp>
+        <p:sp>
+          <p:nvSpPr>
+            <p:cNvPr id="12" name="Freeform 6">
+              <a:extLst>
+                <a:ext uri="{FF2B5EF4-FFF2-40B4-BE49-F238E27FC236}">
+                  <a16:creationId xmlns:a16="http://schemas.microsoft.com/office/drawing/2014/main" id="{1DBD6488-9429-4FFA-8AE8-C4022C39B0F2}"/>
+                </a:ext>
+              </a:extLst>
+            </p:cNvPr>
+            <p:cNvSpPr/>
+            <p:nvPr>
+              <p:extLst>
+                <p:ext uri="{386F3935-93C4-4BCD-93E2-E3B085C9AB24}">
+                  <p16:designElem xmlns:p16="http://schemas.microsoft.com/office/powerpoint/2015/main" val="1"/>
+                </p:ext>
+              </p:extLst>
+            </p:nvPr>
+          </p:nvSpPr>
+          <p:spPr bwMode="auto">
+            <a:xfrm flipH="1" flipV="1">
+              <a:off x="752858" y="744469"/>
+              <a:ext cx="3275668" cy="4408488"/>
+            </a:xfrm>
+            <a:custGeom>
+              <a:avLst/>
+              <a:gdLst/>
+              <a:ahLst/>
+              <a:cxnLst/>
+              <a:rect l="l" t="t" r="r" b="b"/>
+              <a:pathLst>
+                <a:path w="10002" h="10000">
+                  <a:moveTo>
+                    <a:pt x="8763" y="0"/>
+                  </a:moveTo>
+                  <a:lnTo>
+                    <a:pt x="10002" y="0"/>
+                  </a:lnTo>
+                  <a:lnTo>
+                    <a:pt x="10002" y="10000"/>
+                  </a:lnTo>
+                  <a:lnTo>
+                    <a:pt x="2" y="10000"/>
+                  </a:lnTo>
+                  <a:cubicBezTo>
+                    <a:pt x="-2" y="9698"/>
+                    <a:pt x="4" y="9427"/>
+                    <a:pt x="0" y="9125"/>
+                  </a:cubicBezTo>
+                  <a:lnTo>
+                    <a:pt x="8763" y="9128"/>
+                  </a:lnTo>
+                  <a:lnTo>
+                    <a:pt x="8763" y="0"/>
+                  </a:lnTo>
+                  <a:close/>
+                </a:path>
+              </a:pathLst>
+            </a:custGeom>
+            <a:solidFill>
+              <a:schemeClr val="tx2"/>
+            </a:solidFill>
+            <a:ln w="0">
+              <a:noFill/>
+              <a:prstDash val="solid"/>
+              <a:round/>
+              <a:headEnd/>
+              <a:tailEnd/>
+            </a:ln>
+          </p:spPr>
+        </p:sp>
+      </p:grpSp>
+      <p:pic>
+        <p:nvPicPr>
+          <p:cNvPr id="7" name="Content Placeholder 3">
+            <a:extLst>
+              <a:ext uri="{FF2B5EF4-FFF2-40B4-BE49-F238E27FC236}">
+                <a16:creationId xmlns:a16="http://schemas.microsoft.com/office/drawing/2014/main" id="{6E43424C-F74B-499A-9646-CD36C2F516C2}"/>
+              </a:ext>
+            </a:extLst>
+          </p:cNvPr>
+          <p:cNvPicPr>
+            <a:picLocks noGrp="1" noChangeAspect="1"/>
+          </p:cNvPicPr>
+          <p:nvPr>
+            <p:ph idx="1"/>
+          </p:nvPr>
+        </p:nvPicPr>
+        <p:blipFill rotWithShape="1">
+          <a:blip r:embed="rId2"/>
+          <a:srcRect l="4992" r="2" b="2"/>
+          <a:stretch/>
+        </p:blipFill>
+        <p:spPr>
+          <a:xfrm>
+            <a:off x="4639056" y="10"/>
+            <a:ext cx="7552944" cy="6857990"/>
+          </a:xfrm>
+          <a:prstGeom prst="rect">
+            <a:avLst/>
+          </a:prstGeom>
+          <a:ln>
+            <a:noFill/>
+          </a:ln>
+          <a:effectLst/>
+        </p:spPr>
+      </p:pic>
+      <p:sp>
+        <p:nvSpPr>
+          <p:cNvPr id="2" name="Title 1">
+            <a:extLst>
+              <a:ext uri="{FF2B5EF4-FFF2-40B4-BE49-F238E27FC236}">
+                <a16:creationId xmlns:a16="http://schemas.microsoft.com/office/drawing/2014/main" id="{D8744E78-71E0-4942-8BB2-6C93E1242802}"/>
+              </a:ext>
+            </a:extLst>
+          </p:cNvPr>
+          <p:cNvSpPr>
+            <a:spLocks noGrp="1"/>
+          </p:cNvSpPr>
+          <p:nvPr>
+            <p:ph type="title"/>
+          </p:nvPr>
+        </p:nvSpPr>
+        <p:spPr>
+          <a:xfrm>
+            <a:off x="1668544" y="1649691"/>
+            <a:ext cx="2611225" cy="2236989"/>
+          </a:xfrm>
+        </p:spPr>
+        <p:txBody>
+          <a:bodyPr vert="horz" lIns="91440" tIns="45720" rIns="91440" bIns="45720" rtlCol="0" anchor="b">
+            <a:normAutofit/>
+          </a:bodyPr>
+          <a:lstStyle/>
+          <a:p>
+            <a:pPr algn="ctr"/>
+            <a:r>
+              <a:rPr lang="en-US" sz="3400" b="1" cap="all" dirty="0"/>
+              <a:t>NAÏVE BAYES CONFUSION MATRIX</a:t>
+            </a:r>
+            <a:endParaRPr lang="en-US" sz="3400" cap="all" dirty="0"/>
+          </a:p>
+        </p:txBody>
+      </p:sp>
+    </p:spTree>
+    <p:extLst>
+      <p:ext uri="{BB962C8B-B14F-4D97-AF65-F5344CB8AC3E}">
+        <p14:creationId xmlns:p14="http://schemas.microsoft.com/office/powerpoint/2010/main" val="38503300"/>
+      </p:ext>
+    </p:extLst>
+  </p:cSld>
+  <p:clrMapOvr>
+    <a:masterClrMapping/>
+  </p:clrMapOvr>
+</p:sld>
+</file>
+
+<file path=ppt/slides/slide28.xml><?xml version="1.0" encoding="utf-8"?>
+<p:sld xmlns:a="http://schemas.openxmlformats.org/drawingml/2006/main" xmlns:r="http://schemas.openxmlformats.org/officeDocument/2006/relationships" xmlns:p="http://schemas.openxmlformats.org/presentationml/2006/main">
+  <p:cSld>
+    <p:spTree>
+      <p:nvGrpSpPr>
+        <p:cNvPr id="1" name=""/>
+        <p:cNvGrpSpPr/>
+        <p:nvPr/>
+      </p:nvGrpSpPr>
+      <p:grpSpPr>
+        <a:xfrm>
+          <a:off x="0" y="0"/>
+          <a:ext cx="0" cy="0"/>
+          <a:chOff x="0" y="0"/>
+          <a:chExt cx="0" cy="0"/>
+        </a:xfrm>
+      </p:grpSpPr>
+      <p:sp>
+        <p:nvSpPr>
+          <p:cNvPr id="2" name="Title 1">
+            <a:extLst>
+              <a:ext uri="{FF2B5EF4-FFF2-40B4-BE49-F238E27FC236}">
+                <a16:creationId xmlns:a16="http://schemas.microsoft.com/office/drawing/2014/main" id="{D18DA100-7D30-4DCA-BA67-4510AC45775E}"/>
+              </a:ext>
+            </a:extLst>
+          </p:cNvPr>
+          <p:cNvSpPr>
+            <a:spLocks noGrp="1"/>
+          </p:cNvSpPr>
+          <p:nvPr>
+            <p:ph type="title"/>
+          </p:nvPr>
+        </p:nvSpPr>
+        <p:spPr/>
+        <p:txBody>
+          <a:bodyPr/>
+          <a:lstStyle/>
+          <a:p>
+            <a:r>
+              <a:rPr lang="en-US" b="1" dirty="0"/>
+              <a:t>K-NEAREST NEIGHBOURS</a:t>
+            </a:r>
+            <a:br>
+              <a:rPr lang="en-US" b="1" dirty="0"/>
+            </a:br>
+            <a:endParaRPr lang="en-US" dirty="0"/>
+          </a:p>
+        </p:txBody>
+      </p:sp>
+      <p:sp>
+        <p:nvSpPr>
+          <p:cNvPr id="3" name="Content Placeholder 2">
+            <a:extLst>
+              <a:ext uri="{FF2B5EF4-FFF2-40B4-BE49-F238E27FC236}">
+                <a16:creationId xmlns:a16="http://schemas.microsoft.com/office/drawing/2014/main" id="{1295460E-DA42-4C31-81E8-080BBA0206FE}"/>
+              </a:ext>
+            </a:extLst>
+          </p:cNvPr>
+          <p:cNvSpPr>
+            <a:spLocks noGrp="1"/>
+          </p:cNvSpPr>
+          <p:nvPr>
+            <p:ph idx="1"/>
+          </p:nvPr>
+        </p:nvSpPr>
+        <p:spPr/>
+        <p:txBody>
+          <a:bodyPr>
+            <a:normAutofit/>
+          </a:bodyPr>
+          <a:lstStyle/>
+          <a:p>
+            <a:r>
+              <a:rPr lang="en-US" dirty="0"/>
+              <a:t>Accuracy score on train data: 0.909829</a:t>
+            </a:r>
+          </a:p>
+          <a:p>
+            <a:r>
+              <a:rPr lang="en-US" dirty="0"/>
+              <a:t>Accuracy score on valid data: 0.864127</a:t>
+            </a:r>
+          </a:p>
+          <a:p>
+            <a:r>
+              <a:rPr lang="en-US" dirty="0"/>
+              <a:t>Classification Report:</a:t>
+            </a:r>
+          </a:p>
+          <a:p>
+            <a:r>
+              <a:rPr lang="en-US" dirty="0"/>
+              <a:t>             precision    recall  f1-score   support</a:t>
+            </a:r>
+          </a:p>
+          <a:p>
+            <a:endParaRPr lang="en-US" dirty="0"/>
+          </a:p>
+          <a:p>
+            <a:pPr marL="987552" lvl="2" indent="0">
+              <a:buNone/>
+            </a:pPr>
+            <a:r>
+              <a:rPr lang="en-US" dirty="0"/>
+              <a:t>          0       0.97      0.92      0.94     10253</a:t>
+            </a:r>
+          </a:p>
+          <a:p>
+            <a:pPr marL="987552" lvl="2" indent="0">
+              <a:buNone/>
+            </a:pPr>
+            <a:r>
+              <a:rPr lang="en-US" dirty="0"/>
+              <a:t>          1       0.84      0.78      0.80     10318</a:t>
+            </a:r>
+          </a:p>
+          <a:p>
+            <a:pPr marL="987552" lvl="2" indent="0">
+              <a:buNone/>
+            </a:pPr>
+            <a:r>
+              <a:rPr lang="en-US" dirty="0"/>
+              <a:t>          2       0.80      0.90      0.85     10215</a:t>
+            </a:r>
+          </a:p>
+          <a:p>
+            <a:pPr marL="987552" lvl="2" indent="0">
+              <a:buNone/>
+            </a:pPr>
+            <a:r>
+              <a:rPr lang="en-US" dirty="0" err="1"/>
+              <a:t>avg</a:t>
+            </a:r>
+            <a:r>
+              <a:rPr lang="en-US" dirty="0"/>
+              <a:t> / total       0.87      0.86      0.86     30786</a:t>
+            </a:r>
+          </a:p>
+        </p:txBody>
+      </p:sp>
+    </p:spTree>
+    <p:extLst>
+      <p:ext uri="{BB962C8B-B14F-4D97-AF65-F5344CB8AC3E}">
+        <p14:creationId xmlns:p14="http://schemas.microsoft.com/office/powerpoint/2010/main" val="3247711999"/>
+      </p:ext>
+    </p:extLst>
+  </p:cSld>
+  <p:clrMapOvr>
+    <a:masterClrMapping/>
+  </p:clrMapOvr>
+</p:sld>
+</file>
+
+<file path=ppt/slides/slide29.xml><?xml version="1.0" encoding="utf-8"?>
+<p:sld xmlns:a="http://schemas.openxmlformats.org/drawingml/2006/main" xmlns:r="http://schemas.openxmlformats.org/officeDocument/2006/relationships" xmlns:p="http://schemas.openxmlformats.org/presentationml/2006/main">
+  <p:cSld>
+    <p:bg>
+      <p:bgPr>
+        <a:solidFill>
+          <a:schemeClr val="bg2"/>
+        </a:solidFill>
+        <a:effectLst/>
+      </p:bgPr>
+    </p:bg>
+    <p:spTree>
+      <p:nvGrpSpPr>
+        <p:cNvPr id="1" name=""/>
+        <p:cNvGrpSpPr/>
+        <p:nvPr/>
+      </p:nvGrpSpPr>
+      <p:grpSpPr>
+        <a:xfrm>
+          <a:off x="0" y="0"/>
+          <a:ext cx="0" cy="0"/>
+          <a:chOff x="0" y="0"/>
+          <a:chExt cx="0" cy="0"/>
+        </a:xfrm>
+      </p:grpSpPr>
+      <p:grpSp>
+        <p:nvGrpSpPr>
+          <p:cNvPr id="18" name="Group 17">
+            <a:extLst>
+              <a:ext uri="{FF2B5EF4-FFF2-40B4-BE49-F238E27FC236}">
+                <a16:creationId xmlns:a16="http://schemas.microsoft.com/office/drawing/2014/main" id="{9D9D6BF1-DFF2-4526-9D13-BF339D8C4163}"/>
+              </a:ext>
+            </a:extLst>
+          </p:cNvPr>
+          <p:cNvGrpSpPr>
+            <a:grpSpLocks noGrp="1" noUngrp="1" noRot="1" noChangeAspect="1" noMove="1" noResize="1"/>
+          </p:cNvGrpSpPr>
+          <p:nvPr>
+            <p:extLst>
+              <p:ext uri="{386F3935-93C4-4BCD-93E2-E3B085C9AB24}">
+                <p16:designElem xmlns:p16="http://schemas.microsoft.com/office/powerpoint/2015/main" val="1"/>
+              </p:ext>
+            </p:extLst>
+          </p:nvPr>
+        </p:nvGrpSpPr>
+        <p:grpSpPr>
+          <a:xfrm>
+            <a:off x="752858" y="744469"/>
+            <a:ext cx="10674117" cy="5349671"/>
+            <a:chOff x="752858" y="744469"/>
+            <a:chExt cx="10674117" cy="5349671"/>
+          </a:xfrm>
+        </p:grpSpPr>
+        <p:sp>
+          <p:nvSpPr>
+            <p:cNvPr id="19" name="Freeform 6">
+              <a:extLst>
+                <a:ext uri="{FF2B5EF4-FFF2-40B4-BE49-F238E27FC236}">
+                  <a16:creationId xmlns:a16="http://schemas.microsoft.com/office/drawing/2014/main" id="{A54D4DB6-FB18-4CAE-8905-E0053C92569E}"/>
+                </a:ext>
+              </a:extLst>
+            </p:cNvPr>
+            <p:cNvSpPr/>
+            <p:nvPr>
+              <p:extLst>
+                <p:ext uri="{386F3935-93C4-4BCD-93E2-E3B085C9AB24}">
+                  <p16:designElem xmlns:p16="http://schemas.microsoft.com/office/powerpoint/2015/main" val="1"/>
+                </p:ext>
+              </p:extLst>
+            </p:nvPr>
+          </p:nvSpPr>
+          <p:spPr bwMode="auto">
+            <a:xfrm>
+              <a:off x="8151962" y="1685652"/>
+              <a:ext cx="3275013" cy="4408488"/>
+            </a:xfrm>
+            <a:custGeom>
+              <a:avLst/>
+              <a:gdLst/>
+              <a:ahLst/>
+              <a:cxnLst/>
+              <a:rect l="l" t="t" r="r" b="b"/>
+              <a:pathLst>
+                <a:path w="10000" h="10000">
+                  <a:moveTo>
+                    <a:pt x="8761" y="0"/>
+                  </a:moveTo>
+                  <a:lnTo>
+                    <a:pt x="10000" y="0"/>
+                  </a:lnTo>
+                  <a:lnTo>
+                    <a:pt x="10000" y="10000"/>
+                  </a:lnTo>
+                  <a:lnTo>
+                    <a:pt x="0" y="10000"/>
+                  </a:lnTo>
+                  <a:lnTo>
+                    <a:pt x="0" y="9126"/>
+                  </a:lnTo>
+                  <a:lnTo>
+                    <a:pt x="8761" y="9127"/>
+                  </a:lnTo>
+                  <a:lnTo>
+                    <a:pt x="8761" y="0"/>
+                  </a:lnTo>
+                  <a:close/>
+                </a:path>
+              </a:pathLst>
+            </a:custGeom>
+            <a:solidFill>
+              <a:schemeClr val="tx2"/>
+            </a:solidFill>
+            <a:ln w="0">
+              <a:noFill/>
+              <a:prstDash val="solid"/>
+              <a:round/>
+              <a:headEnd/>
+              <a:tailEnd/>
+            </a:ln>
+          </p:spPr>
+        </p:sp>
+        <p:sp>
+          <p:nvSpPr>
+            <p:cNvPr id="20" name="Freeform 6">
+              <a:extLst>
+                <a:ext uri="{FF2B5EF4-FFF2-40B4-BE49-F238E27FC236}">
+                  <a16:creationId xmlns:a16="http://schemas.microsoft.com/office/drawing/2014/main" id="{1DBD6488-9429-4FFA-8AE8-C4022C39B0F2}"/>
+                </a:ext>
+              </a:extLst>
+            </p:cNvPr>
+            <p:cNvSpPr/>
+            <p:nvPr>
+              <p:extLst>
+                <p:ext uri="{386F3935-93C4-4BCD-93E2-E3B085C9AB24}">
+                  <p16:designElem xmlns:p16="http://schemas.microsoft.com/office/powerpoint/2015/main" val="1"/>
+                </p:ext>
+              </p:extLst>
+            </p:nvPr>
+          </p:nvSpPr>
+          <p:spPr bwMode="auto">
+            <a:xfrm flipH="1" flipV="1">
+              <a:off x="752858" y="744469"/>
+              <a:ext cx="3275668" cy="4408488"/>
+            </a:xfrm>
+            <a:custGeom>
+              <a:avLst/>
+              <a:gdLst/>
+              <a:ahLst/>
+              <a:cxnLst/>
+              <a:rect l="l" t="t" r="r" b="b"/>
+              <a:pathLst>
+                <a:path w="10002" h="10000">
+                  <a:moveTo>
+                    <a:pt x="8763" y="0"/>
+                  </a:moveTo>
+                  <a:lnTo>
+                    <a:pt x="10002" y="0"/>
+                  </a:lnTo>
+                  <a:lnTo>
+                    <a:pt x="10002" y="10000"/>
+                  </a:lnTo>
+                  <a:lnTo>
+                    <a:pt x="2" y="10000"/>
+                  </a:lnTo>
+                  <a:cubicBezTo>
+                    <a:pt x="-2" y="9698"/>
+                    <a:pt x="4" y="9427"/>
+                    <a:pt x="0" y="9125"/>
+                  </a:cubicBezTo>
+                  <a:lnTo>
+                    <a:pt x="8763" y="9128"/>
+                  </a:lnTo>
+                  <a:lnTo>
+                    <a:pt x="8763" y="0"/>
+                  </a:lnTo>
+                  <a:close/>
+                </a:path>
+              </a:pathLst>
+            </a:custGeom>
+            <a:solidFill>
+              <a:schemeClr val="tx2"/>
+            </a:solidFill>
+            <a:ln w="0">
+              <a:noFill/>
+              <a:prstDash val="solid"/>
+              <a:round/>
+              <a:headEnd/>
+              <a:tailEnd/>
+            </a:ln>
+          </p:spPr>
+        </p:sp>
+      </p:grpSp>
+      <p:pic>
+        <p:nvPicPr>
+          <p:cNvPr id="15" name="Content Placeholder 7">
+            <a:extLst>
+              <a:ext uri="{FF2B5EF4-FFF2-40B4-BE49-F238E27FC236}">
+                <a16:creationId xmlns:a16="http://schemas.microsoft.com/office/drawing/2014/main" id="{5821F326-E38A-4B9D-BB2A-763EB9E6E181}"/>
+              </a:ext>
+            </a:extLst>
+          </p:cNvPr>
+          <p:cNvPicPr>
+            <a:picLocks noGrp="1" noChangeAspect="1"/>
+          </p:cNvPicPr>
+          <p:nvPr>
+            <p:ph idx="1"/>
+          </p:nvPr>
+        </p:nvPicPr>
+        <p:blipFill rotWithShape="1">
+          <a:blip r:embed="rId2"/>
+          <a:srcRect l="5534" r="1" b="1"/>
+          <a:stretch/>
+        </p:blipFill>
+        <p:spPr>
+          <a:xfrm>
+            <a:off x="4639056" y="10"/>
+            <a:ext cx="7552944" cy="6857990"/>
+          </a:xfrm>
+          <a:prstGeom prst="rect">
+            <a:avLst/>
+          </a:prstGeom>
+          <a:ln>
+            <a:noFill/>
+          </a:ln>
+          <a:effectLst/>
+        </p:spPr>
+      </p:pic>
+      <p:sp>
+        <p:nvSpPr>
+          <p:cNvPr id="2" name="Title 1">
+            <a:extLst>
+              <a:ext uri="{FF2B5EF4-FFF2-40B4-BE49-F238E27FC236}">
+                <a16:creationId xmlns:a16="http://schemas.microsoft.com/office/drawing/2014/main" id="{11CFF0C8-818A-46E6-BB30-82B315059396}"/>
+              </a:ext>
+            </a:extLst>
+          </p:cNvPr>
+          <p:cNvSpPr>
+            <a:spLocks noGrp="1"/>
+          </p:cNvSpPr>
+          <p:nvPr>
+            <p:ph type="title"/>
+          </p:nvPr>
+        </p:nvSpPr>
+        <p:spPr>
+          <a:xfrm>
+            <a:off x="1280160" y="2310505"/>
+            <a:ext cx="3165231" cy="2236989"/>
+          </a:xfrm>
+        </p:spPr>
+        <p:txBody>
+          <a:bodyPr vert="horz" lIns="91440" tIns="45720" rIns="91440" bIns="45720" rtlCol="0" anchor="b">
+            <a:noAutofit/>
+          </a:bodyPr>
+          <a:lstStyle/>
+          <a:p>
+            <a:pPr algn="ctr"/>
+            <a:r>
+              <a:rPr lang="en-US" sz="4000" b="1" dirty="0"/>
+              <a:t>K-NEAREST NEIGHBOURS CONFUSION MATRIX</a:t>
+            </a:r>
+            <a:endParaRPr lang="en-US" sz="4000" cap="all" dirty="0"/>
+          </a:p>
+        </p:txBody>
+      </p:sp>
+    </p:spTree>
+    <p:extLst>
+      <p:ext uri="{BB962C8B-B14F-4D97-AF65-F5344CB8AC3E}">
+        <p14:creationId xmlns:p14="http://schemas.microsoft.com/office/powerpoint/2010/main" val="4073683570"/>
+      </p:ext>
+    </p:extLst>
+  </p:cSld>
+  <p:clrMapOvr>
+    <a:masterClrMapping/>
+  </p:clrMapOvr>
+</p:sld>
+</file>
+
 <file path=ppt/slides/slide3.xml><?xml version="1.0" encoding="utf-8"?>
 <p:sld xmlns:a="http://schemas.openxmlformats.org/drawingml/2006/main" xmlns:r="http://schemas.openxmlformats.org/officeDocument/2006/relationships" xmlns:p="http://schemas.openxmlformats.org/presentationml/2006/main">
   <p:cSld>
@@ -5728,6 +8161,434 @@
     <p:extLst>
       <p:ext uri="{BB962C8B-B14F-4D97-AF65-F5344CB8AC3E}">
         <p14:creationId xmlns:p14="http://schemas.microsoft.com/office/powerpoint/2010/main" val="3154665944"/>
+      </p:ext>
+    </p:extLst>
+  </p:cSld>
+  <p:clrMapOvr>
+    <a:masterClrMapping/>
+  </p:clrMapOvr>
+</p:sld>
+</file>
+
+<file path=ppt/slides/slide30.xml><?xml version="1.0" encoding="utf-8"?>
+<p:sld xmlns:a="http://schemas.openxmlformats.org/drawingml/2006/main" xmlns:r="http://schemas.openxmlformats.org/officeDocument/2006/relationships" xmlns:p="http://schemas.openxmlformats.org/presentationml/2006/main">
+  <p:cSld>
+    <p:spTree>
+      <p:nvGrpSpPr>
+        <p:cNvPr id="1" name=""/>
+        <p:cNvGrpSpPr/>
+        <p:nvPr/>
+      </p:nvGrpSpPr>
+      <p:grpSpPr>
+        <a:xfrm>
+          <a:off x="0" y="0"/>
+          <a:ext cx="0" cy="0"/>
+          <a:chOff x="0" y="0"/>
+          <a:chExt cx="0" cy="0"/>
+        </a:xfrm>
+      </p:grpSpPr>
+      <p:sp>
+        <p:nvSpPr>
+          <p:cNvPr id="2" name="Title 1">
+            <a:extLst>
+              <a:ext uri="{FF2B5EF4-FFF2-40B4-BE49-F238E27FC236}">
+                <a16:creationId xmlns:a16="http://schemas.microsoft.com/office/drawing/2014/main" id="{9DD6937A-55FF-4CD1-9C9F-676D03F4468B}"/>
+              </a:ext>
+            </a:extLst>
+          </p:cNvPr>
+          <p:cNvSpPr>
+            <a:spLocks noGrp="1"/>
+          </p:cNvSpPr>
+          <p:nvPr>
+            <p:ph type="title"/>
+          </p:nvPr>
+        </p:nvSpPr>
+        <p:spPr/>
+        <p:txBody>
+          <a:bodyPr/>
+          <a:lstStyle/>
+          <a:p>
+            <a:r>
+              <a:rPr lang="en-US" b="1" dirty="0"/>
+              <a:t>DECISION TREES</a:t>
+            </a:r>
+            <a:br>
+              <a:rPr lang="en-US" b="1" dirty="0"/>
+            </a:br>
+            <a:endParaRPr lang="en-US" dirty="0"/>
+          </a:p>
+        </p:txBody>
+      </p:sp>
+      <p:sp>
+        <p:nvSpPr>
+          <p:cNvPr id="3" name="Content Placeholder 2">
+            <a:extLst>
+              <a:ext uri="{FF2B5EF4-FFF2-40B4-BE49-F238E27FC236}">
+                <a16:creationId xmlns:a16="http://schemas.microsoft.com/office/drawing/2014/main" id="{6AA80634-1FEF-44AE-B951-41FC392F0F2E}"/>
+              </a:ext>
+            </a:extLst>
+          </p:cNvPr>
+          <p:cNvSpPr>
+            <a:spLocks noGrp="1"/>
+          </p:cNvSpPr>
+          <p:nvPr>
+            <p:ph idx="1"/>
+          </p:nvPr>
+        </p:nvSpPr>
+        <p:spPr/>
+        <p:txBody>
+          <a:bodyPr>
+            <a:normAutofit fontScale="85000" lnSpcReduction="20000"/>
+          </a:bodyPr>
+          <a:lstStyle/>
+          <a:p>
+            <a:r>
+              <a:rPr lang="en-US" dirty="0"/>
+              <a:t>Accuracy score on train data: 1.000000</a:t>
+            </a:r>
+          </a:p>
+          <a:p>
+            <a:r>
+              <a:rPr lang="en-US" dirty="0"/>
+              <a:t>Accuracy score on valid data: 0.893815</a:t>
+            </a:r>
+          </a:p>
+          <a:p>
+            <a:r>
+              <a:rPr lang="en-US" dirty="0"/>
+              <a:t>Classification Report:</a:t>
+            </a:r>
+          </a:p>
+          <a:p>
+            <a:r>
+              <a:rPr lang="en-US" dirty="0"/>
+              <a:t>             precision    recall  f1-score   support</a:t>
+            </a:r>
+          </a:p>
+          <a:p>
+            <a:endParaRPr lang="en-US" dirty="0"/>
+          </a:p>
+          <a:p>
+            <a:r>
+              <a:rPr lang="en-US" dirty="0"/>
+              <a:t>          0       0.99      0.99      0.99     10253</a:t>
+            </a:r>
+          </a:p>
+          <a:p>
+            <a:r>
+              <a:rPr lang="en-US" dirty="0"/>
+              <a:t>          1       0.86      0.82      0.84     10318</a:t>
+            </a:r>
+          </a:p>
+          <a:p>
+            <a:r>
+              <a:rPr lang="en-US" dirty="0"/>
+              <a:t>          2       0.83      0.87      0.85     10215</a:t>
+            </a:r>
+          </a:p>
+          <a:p>
+            <a:endParaRPr lang="en-US" dirty="0"/>
+          </a:p>
+          <a:p>
+            <a:r>
+              <a:rPr lang="en-US" dirty="0" err="1"/>
+              <a:t>avg</a:t>
+            </a:r>
+            <a:r>
+              <a:rPr lang="en-US" dirty="0"/>
+              <a:t> / total       0.89      0.89      0.89     30786</a:t>
+            </a:r>
+          </a:p>
+        </p:txBody>
+      </p:sp>
+    </p:spTree>
+    <p:extLst>
+      <p:ext uri="{BB962C8B-B14F-4D97-AF65-F5344CB8AC3E}">
+        <p14:creationId xmlns:p14="http://schemas.microsoft.com/office/powerpoint/2010/main" val="1881561791"/>
+      </p:ext>
+    </p:extLst>
+  </p:cSld>
+  <p:clrMapOvr>
+    <a:masterClrMapping/>
+  </p:clrMapOvr>
+</p:sld>
+</file>
+
+<file path=ppt/slides/slide31.xml><?xml version="1.0" encoding="utf-8"?>
+<p:sld xmlns:a="http://schemas.openxmlformats.org/drawingml/2006/main" xmlns:r="http://schemas.openxmlformats.org/officeDocument/2006/relationships" xmlns:p="http://schemas.openxmlformats.org/presentationml/2006/main">
+  <p:cSld>
+    <p:bg>
+      <p:bgPr>
+        <a:solidFill>
+          <a:schemeClr val="bg2"/>
+        </a:solidFill>
+        <a:effectLst/>
+      </p:bgPr>
+    </p:bg>
+    <p:spTree>
+      <p:nvGrpSpPr>
+        <p:cNvPr id="1" name=""/>
+        <p:cNvGrpSpPr/>
+        <p:nvPr/>
+      </p:nvGrpSpPr>
+      <p:grpSpPr>
+        <a:xfrm>
+          <a:off x="0" y="0"/>
+          <a:ext cx="0" cy="0"/>
+          <a:chOff x="0" y="0"/>
+          <a:chExt cx="0" cy="0"/>
+        </a:xfrm>
+      </p:grpSpPr>
+      <p:grpSp>
+        <p:nvGrpSpPr>
+          <p:cNvPr id="9" name="Group 8">
+            <a:extLst>
+              <a:ext uri="{FF2B5EF4-FFF2-40B4-BE49-F238E27FC236}">
+                <a16:creationId xmlns:a16="http://schemas.microsoft.com/office/drawing/2014/main" id="{9D9D6BF1-DFF2-4526-9D13-BF339D8C4163}"/>
+              </a:ext>
+            </a:extLst>
+          </p:cNvPr>
+          <p:cNvGrpSpPr>
+            <a:grpSpLocks noGrp="1" noUngrp="1" noRot="1" noChangeAspect="1" noMove="1" noResize="1"/>
+          </p:cNvGrpSpPr>
+          <p:nvPr>
+            <p:extLst>
+              <p:ext uri="{386F3935-93C4-4BCD-93E2-E3B085C9AB24}">
+                <p16:designElem xmlns:p16="http://schemas.microsoft.com/office/powerpoint/2015/main" val="1"/>
+              </p:ext>
+            </p:extLst>
+          </p:nvPr>
+        </p:nvGrpSpPr>
+        <p:grpSpPr>
+          <a:xfrm>
+            <a:off x="752858" y="744469"/>
+            <a:ext cx="10674117" cy="5349671"/>
+            <a:chOff x="752858" y="744469"/>
+            <a:chExt cx="10674117" cy="5349671"/>
+          </a:xfrm>
+        </p:grpSpPr>
+        <p:sp>
+          <p:nvSpPr>
+            <p:cNvPr id="10" name="Freeform 6">
+              <a:extLst>
+                <a:ext uri="{FF2B5EF4-FFF2-40B4-BE49-F238E27FC236}">
+                  <a16:creationId xmlns:a16="http://schemas.microsoft.com/office/drawing/2014/main" id="{A54D4DB6-FB18-4CAE-8905-E0053C92569E}"/>
+                </a:ext>
+              </a:extLst>
+            </p:cNvPr>
+            <p:cNvSpPr/>
+            <p:nvPr>
+              <p:extLst>
+                <p:ext uri="{386F3935-93C4-4BCD-93E2-E3B085C9AB24}">
+                  <p16:designElem xmlns:p16="http://schemas.microsoft.com/office/powerpoint/2015/main" val="1"/>
+                </p:ext>
+              </p:extLst>
+            </p:nvPr>
+          </p:nvSpPr>
+          <p:spPr bwMode="auto">
+            <a:xfrm>
+              <a:off x="8151962" y="1685652"/>
+              <a:ext cx="3275013" cy="4408488"/>
+            </a:xfrm>
+            <a:custGeom>
+              <a:avLst/>
+              <a:gdLst/>
+              <a:ahLst/>
+              <a:cxnLst/>
+              <a:rect l="l" t="t" r="r" b="b"/>
+              <a:pathLst>
+                <a:path w="10000" h="10000">
+                  <a:moveTo>
+                    <a:pt x="8761" y="0"/>
+                  </a:moveTo>
+                  <a:lnTo>
+                    <a:pt x="10000" y="0"/>
+                  </a:lnTo>
+                  <a:lnTo>
+                    <a:pt x="10000" y="10000"/>
+                  </a:lnTo>
+                  <a:lnTo>
+                    <a:pt x="0" y="10000"/>
+                  </a:lnTo>
+                  <a:lnTo>
+                    <a:pt x="0" y="9126"/>
+                  </a:lnTo>
+                  <a:lnTo>
+                    <a:pt x="8761" y="9127"/>
+                  </a:lnTo>
+                  <a:lnTo>
+                    <a:pt x="8761" y="0"/>
+                  </a:lnTo>
+                  <a:close/>
+                </a:path>
+              </a:pathLst>
+            </a:custGeom>
+            <a:solidFill>
+              <a:schemeClr val="tx2"/>
+            </a:solidFill>
+            <a:ln w="0">
+              <a:noFill/>
+              <a:prstDash val="solid"/>
+              <a:round/>
+              <a:headEnd/>
+              <a:tailEnd/>
+            </a:ln>
+          </p:spPr>
+        </p:sp>
+        <p:sp>
+          <p:nvSpPr>
+            <p:cNvPr id="11" name="Freeform 6">
+              <a:extLst>
+                <a:ext uri="{FF2B5EF4-FFF2-40B4-BE49-F238E27FC236}">
+                  <a16:creationId xmlns:a16="http://schemas.microsoft.com/office/drawing/2014/main" id="{1DBD6488-9429-4FFA-8AE8-C4022C39B0F2}"/>
+                </a:ext>
+              </a:extLst>
+            </p:cNvPr>
+            <p:cNvSpPr/>
+            <p:nvPr>
+              <p:extLst>
+                <p:ext uri="{386F3935-93C4-4BCD-93E2-E3B085C9AB24}">
+                  <p16:designElem xmlns:p16="http://schemas.microsoft.com/office/powerpoint/2015/main" val="1"/>
+                </p:ext>
+              </p:extLst>
+            </p:nvPr>
+          </p:nvSpPr>
+          <p:spPr bwMode="auto">
+            <a:xfrm flipH="1" flipV="1">
+              <a:off x="752858" y="744469"/>
+              <a:ext cx="3275668" cy="4408488"/>
+            </a:xfrm>
+            <a:custGeom>
+              <a:avLst/>
+              <a:gdLst/>
+              <a:ahLst/>
+              <a:cxnLst/>
+              <a:rect l="l" t="t" r="r" b="b"/>
+              <a:pathLst>
+                <a:path w="10002" h="10000">
+                  <a:moveTo>
+                    <a:pt x="8763" y="0"/>
+                  </a:moveTo>
+                  <a:lnTo>
+                    <a:pt x="10002" y="0"/>
+                  </a:lnTo>
+                  <a:lnTo>
+                    <a:pt x="10002" y="10000"/>
+                  </a:lnTo>
+                  <a:lnTo>
+                    <a:pt x="2" y="10000"/>
+                  </a:lnTo>
+                  <a:cubicBezTo>
+                    <a:pt x="-2" y="9698"/>
+                    <a:pt x="4" y="9427"/>
+                    <a:pt x="0" y="9125"/>
+                  </a:cubicBezTo>
+                  <a:lnTo>
+                    <a:pt x="8763" y="9128"/>
+                  </a:lnTo>
+                  <a:lnTo>
+                    <a:pt x="8763" y="0"/>
+                  </a:lnTo>
+                  <a:close/>
+                </a:path>
+              </a:pathLst>
+            </a:custGeom>
+            <a:solidFill>
+              <a:schemeClr val="tx2"/>
+            </a:solidFill>
+            <a:ln w="0">
+              <a:noFill/>
+              <a:prstDash val="solid"/>
+              <a:round/>
+              <a:headEnd/>
+              <a:tailEnd/>
+            </a:ln>
+          </p:spPr>
+        </p:sp>
+      </p:grpSp>
+      <p:pic>
+        <p:nvPicPr>
+          <p:cNvPr id="4" name="Content Placeholder 3">
+            <a:extLst>
+              <a:ext uri="{FF2B5EF4-FFF2-40B4-BE49-F238E27FC236}">
+                <a16:creationId xmlns:a16="http://schemas.microsoft.com/office/drawing/2014/main" id="{C394B847-914C-4CB2-B639-D81B1127EA46}"/>
+              </a:ext>
+            </a:extLst>
+          </p:cNvPr>
+          <p:cNvPicPr>
+            <a:picLocks noGrp="1" noChangeAspect="1"/>
+          </p:cNvPicPr>
+          <p:nvPr>
+            <p:ph idx="1"/>
+          </p:nvPr>
+        </p:nvPicPr>
+        <p:blipFill rotWithShape="1">
+          <a:blip r:embed="rId2"/>
+          <a:srcRect l="7608" r="-1" b="-1"/>
+          <a:stretch/>
+        </p:blipFill>
+        <p:spPr>
+          <a:xfrm>
+            <a:off x="4639056" y="10"/>
+            <a:ext cx="7552944" cy="6857990"/>
+          </a:xfrm>
+          <a:prstGeom prst="rect">
+            <a:avLst/>
+          </a:prstGeom>
+          <a:ln>
+            <a:noFill/>
+          </a:ln>
+          <a:effectLst/>
+        </p:spPr>
+      </p:pic>
+      <p:sp>
+        <p:nvSpPr>
+          <p:cNvPr id="2" name="Title 1">
+            <a:extLst>
+              <a:ext uri="{FF2B5EF4-FFF2-40B4-BE49-F238E27FC236}">
+                <a16:creationId xmlns:a16="http://schemas.microsoft.com/office/drawing/2014/main" id="{C2AAE0C6-DEE2-471D-9202-1FE7FD1D844D}"/>
+              </a:ext>
+            </a:extLst>
+          </p:cNvPr>
+          <p:cNvSpPr>
+            <a:spLocks noGrp="1"/>
+          </p:cNvSpPr>
+          <p:nvPr>
+            <p:ph type="title"/>
+          </p:nvPr>
+        </p:nvSpPr>
+        <p:spPr>
+          <a:xfrm>
+            <a:off x="1576991" y="2458073"/>
+            <a:ext cx="2611225" cy="2236989"/>
+          </a:xfrm>
+        </p:spPr>
+        <p:txBody>
+          <a:bodyPr vert="horz" lIns="91440" tIns="45720" rIns="91440" bIns="45720" rtlCol="0" anchor="b">
+            <a:noAutofit/>
+          </a:bodyPr>
+          <a:lstStyle/>
+          <a:p>
+            <a:pPr algn="ctr"/>
+            <a:r>
+              <a:rPr lang="en-US" b="1" dirty="0"/>
+              <a:t>DECISION TREES</a:t>
+            </a:r>
+            <a:br>
+              <a:rPr lang="en-US" b="1" dirty="0"/>
+            </a:br>
+            <a:r>
+              <a:rPr lang="en-US" b="1" dirty="0"/>
+              <a:t>CONFUSION MATRIX</a:t>
+            </a:r>
+            <a:endParaRPr lang="en-US" cap="all" dirty="0"/>
+          </a:p>
+        </p:txBody>
+      </p:sp>
+    </p:spTree>
+    <p:extLst>
+      <p:ext uri="{BB962C8B-B14F-4D97-AF65-F5344CB8AC3E}">
+        <p14:creationId xmlns:p14="http://schemas.microsoft.com/office/powerpoint/2010/main" val="2679055789"/>
       </p:ext>
     </p:extLst>
   </p:cSld>

--- a/ProjectPresentation.pptx
+++ b/ProjectPresentation.pptx
@@ -36,6 +36,9 @@
     <p:sldId id="287" r:id="rId30"/>
     <p:sldId id="289" r:id="rId31"/>
     <p:sldId id="290" r:id="rId32"/>
+    <p:sldId id="291" r:id="rId33"/>
+    <p:sldId id="292" r:id="rId34"/>
+    <p:sldId id="293" r:id="rId35"/>
   </p:sldIdLst>
   <p:sldSz cx="12192000" cy="6858000"/>
   <p:notesSz cx="6858000" cy="9144000"/>
@@ -312,7 +315,7 @@
             <a:fld id="{87DE6118-2437-4B30-8E3C-4D2BE6020583}" type="datetimeFigureOut">
               <a:rPr lang="en-US" dirty="0"/>
               <a:pPr/>
-              <a:t>5/1/2018</a:t>
+              <a:t>5/2/2018</a:t>
             </a:fld>
             <a:endParaRPr lang="en-US" dirty="0"/>
           </a:p>
@@ -638,7 +641,7 @@
           <a:p>
             <a:fld id="{87DE6118-2437-4B30-8E3C-4D2BE6020583}" type="datetimeFigureOut">
               <a:rPr lang="en-US" dirty="0"/>
-              <a:t>5/1/2018</a:t>
+              <a:t>5/2/2018</a:t>
             </a:fld>
             <a:endParaRPr lang="en-US" dirty="0"/>
           </a:p>
@@ -813,7 +816,7 @@
           <a:p>
             <a:fld id="{87DE6118-2437-4B30-8E3C-4D2BE6020583}" type="datetimeFigureOut">
               <a:rPr lang="en-US" dirty="0"/>
-              <a:t>5/1/2018</a:t>
+              <a:t>5/2/2018</a:t>
             </a:fld>
             <a:endParaRPr lang="en-US" dirty="0"/>
           </a:p>
@@ -978,7 +981,7 @@
           <a:p>
             <a:fld id="{87DE6118-2437-4B30-8E3C-4D2BE6020583}" type="datetimeFigureOut">
               <a:rPr lang="en-US" dirty="0"/>
-              <a:t>5/1/2018</a:t>
+              <a:t>5/2/2018</a:t>
             </a:fld>
             <a:endParaRPr lang="en-US" dirty="0"/>
           </a:p>
@@ -1251,7 +1254,7 @@
             <a:fld id="{87DE6118-2437-4B30-8E3C-4D2BE6020583}" type="datetimeFigureOut">
               <a:rPr lang="en-US" dirty="0"/>
               <a:pPr/>
-              <a:t>5/1/2018</a:t>
+              <a:t>5/2/2018</a:t>
             </a:fld>
             <a:endParaRPr lang="en-US" dirty="0"/>
           </a:p>
@@ -1641,7 +1644,7 @@
           <a:p>
             <a:fld id="{87DE6118-2437-4B30-8E3C-4D2BE6020583}" type="datetimeFigureOut">
               <a:rPr lang="en-US" dirty="0"/>
-              <a:t>5/1/2018</a:t>
+              <a:t>5/2/2018</a:t>
             </a:fld>
             <a:endParaRPr lang="en-US" dirty="0"/>
           </a:p>
@@ -2113,7 +2116,7 @@
           <a:p>
             <a:fld id="{87DE6118-2437-4B30-8E3C-4D2BE6020583}" type="datetimeFigureOut">
               <a:rPr lang="en-US" dirty="0"/>
-              <a:t>5/1/2018</a:t>
+              <a:t>5/2/2018</a:t>
             </a:fld>
             <a:endParaRPr lang="en-US" dirty="0"/>
           </a:p>
@@ -2226,7 +2229,7 @@
           <a:p>
             <a:fld id="{87DE6118-2437-4B30-8E3C-4D2BE6020583}" type="datetimeFigureOut">
               <a:rPr lang="en-US" dirty="0"/>
-              <a:t>5/1/2018</a:t>
+              <a:t>5/2/2018</a:t>
             </a:fld>
             <a:endParaRPr lang="en-US" dirty="0"/>
           </a:p>
@@ -2316,7 +2319,7 @@
           <a:p>
             <a:fld id="{87DE6118-2437-4B30-8E3C-4D2BE6020583}" type="datetimeFigureOut">
               <a:rPr lang="en-US" dirty="0"/>
-              <a:t>5/1/2018</a:t>
+              <a:t>5/2/2018</a:t>
             </a:fld>
             <a:endParaRPr lang="en-US" dirty="0"/>
           </a:p>
@@ -2658,7 +2661,7 @@
             <a:fld id="{87DE6118-2437-4B30-8E3C-4D2BE6020583}" type="datetimeFigureOut">
               <a:rPr lang="en-US" dirty="0"/>
               <a:pPr/>
-              <a:t>5/1/2018</a:t>
+              <a:t>5/2/2018</a:t>
             </a:fld>
             <a:endParaRPr lang="en-US" dirty="0"/>
           </a:p>
@@ -3043,7 +3046,7 @@
             <a:fld id="{87DE6118-2437-4B30-8E3C-4D2BE6020583}" type="datetimeFigureOut">
               <a:rPr lang="en-US" dirty="0"/>
               <a:pPr/>
-              <a:t>5/1/2018</a:t>
+              <a:t>5/2/2018</a:t>
             </a:fld>
             <a:endParaRPr lang="en-US" dirty="0"/>
           </a:p>
@@ -3318,7 +3321,7 @@
             <a:fld id="{87DE6118-2437-4B30-8E3C-4D2BE6020583}" type="datetimeFigureOut">
               <a:rPr lang="en-US" dirty="0"/>
               <a:pPr/>
-              <a:t>5/1/2018</a:t>
+              <a:t>5/2/2018</a:t>
             </a:fld>
             <a:endParaRPr lang="en-US" dirty="0"/>
           </a:p>
@@ -4276,15 +4279,7 @@
           <a:p>
             <a:r>
               <a:rPr lang="en-US" sz="3200" dirty="0"/>
-              <a:t>Distribution of Gender across </a:t>
-            </a:r>
-            <a:r>
-              <a:rPr lang="en-US" sz="3200" dirty="0" err="1"/>
-              <a:t>Emloyment</a:t>
-            </a:r>
-            <a:r>
-              <a:rPr lang="en-US" sz="3200" dirty="0"/>
-              <a:t> Status</a:t>
+              <a:t>Distribution of Employment Status across Gender</a:t>
             </a:r>
           </a:p>
         </p:txBody>
@@ -4528,15 +4523,7 @@
             </a:r>
             <a:r>
               <a:rPr lang="en-US" dirty="0"/>
-              <a:t> people tend to increase over the years on average, </a:t>
-            </a:r>
-            <a:r>
-              <a:rPr lang="en-US" dirty="0" err="1"/>
-              <a:t>untill</a:t>
-            </a:r>
-            <a:r>
-              <a:rPr lang="en-US" dirty="0"/>
-              <a:t> 2010 after which it decreases by a smaller margin.</a:t>
+              <a:t> people tend to increase over the years on average until 2010, after which it decreases by a smaller margin.</a:t>
             </a:r>
           </a:p>
           <a:p>
@@ -5575,7 +5562,7 @@
           <a:p>
             <a:r>
               <a:rPr lang="en-US" dirty="0"/>
-              <a:t>Then, after these, for almost all the activities the spending time is between 0 and 70</a:t>
+              <a:t>Then, after these, for almost all the activities the spending time is between 0 to 70 minutes</a:t>
             </a:r>
           </a:p>
         </p:txBody>
@@ -5922,150 +5909,54 @@
             <p:ph type="title"/>
           </p:nvPr>
         </p:nvSpPr>
-        <p:spPr/>
+        <p:spPr>
+          <a:xfrm>
+            <a:off x="1371600" y="685800"/>
+            <a:ext cx="9601200" cy="1485900"/>
+          </a:xfrm>
+        </p:spPr>
         <p:txBody>
           <a:bodyPr/>
           <a:lstStyle/>
           <a:p>
             <a:r>
-              <a:rPr lang="en-US" dirty="0"/>
+              <a:rPr lang="en-US"/>
               <a:t>Logistic Regression</a:t>
             </a:r>
-          </a:p>
-        </p:txBody>
-      </p:sp>
-      <p:sp>
-        <p:nvSpPr>
-          <p:cNvPr id="3" name="Content Placeholder 2">
+            <a:endParaRPr lang="en-US" dirty="0"/>
+          </a:p>
+        </p:txBody>
+      </p:sp>
+      <p:pic>
+        <p:nvPicPr>
+          <p:cNvPr id="6" name="Picture 5">
             <a:extLst>
               <a:ext uri="{FF2B5EF4-FFF2-40B4-BE49-F238E27FC236}">
-                <a16:creationId xmlns:a16="http://schemas.microsoft.com/office/drawing/2014/main" id="{67F1152B-CE2B-49CF-9532-899EAFC3B811}"/>
+                <a16:creationId xmlns:a16="http://schemas.microsoft.com/office/drawing/2014/main" id="{9156BD91-1C3B-48F2-B131-D79D2DB04981}"/>
               </a:ext>
             </a:extLst>
           </p:cNvPr>
-          <p:cNvSpPr>
-            <a:spLocks noGrp="1"/>
-          </p:cNvSpPr>
-          <p:nvPr>
-            <p:ph idx="1"/>
-          </p:nvPr>
-        </p:nvSpPr>
-        <p:spPr/>
-        <p:txBody>
-          <a:bodyPr>
-            <a:normAutofit fontScale="70000" lnSpcReduction="20000"/>
-          </a:bodyPr>
-          <a:lstStyle/>
-          <a:p>
-            <a:r>
-              <a:rPr lang="en-US" dirty="0"/>
-              <a:t>Max </a:t>
-            </a:r>
-            <a:r>
-              <a:rPr lang="en-US" dirty="0" err="1"/>
-              <a:t>auc_roc</a:t>
-            </a:r>
-            <a:r>
-              <a:rPr lang="en-US" dirty="0"/>
-              <a:t> score: 0.9284572931148645</a:t>
-            </a:r>
-          </a:p>
-          <a:p>
-            <a:r>
-              <a:rPr lang="en-US" dirty="0"/>
-              <a:t>Best mean </a:t>
-            </a:r>
-            <a:r>
-              <a:rPr lang="en-US" dirty="0" err="1"/>
-              <a:t>auc_roc</a:t>
-            </a:r>
-            <a:r>
-              <a:rPr lang="en-US" dirty="0"/>
-              <a:t> score: 0.9244</a:t>
-            </a:r>
-          </a:p>
-          <a:p>
-            <a:r>
-              <a:rPr lang="en-US" dirty="0"/>
-              <a:t>Accuracy score on train data: 0.844085</a:t>
-            </a:r>
-          </a:p>
-          <a:p>
-            <a:r>
-              <a:rPr lang="en-US" dirty="0"/>
-              <a:t>Accuracy score on valid data: 0.842169</a:t>
-            </a:r>
-          </a:p>
-          <a:p>
-            <a:r>
-              <a:rPr lang="en-US" dirty="0"/>
-              <a:t>Classification Report:</a:t>
-            </a:r>
-          </a:p>
-          <a:p>
-            <a:pPr marL="530352" lvl="1" indent="0">
-              <a:buNone/>
-            </a:pPr>
-            <a:r>
-              <a:rPr lang="en-US" dirty="0"/>
-              <a:t>             precision    recall  f1-score   support</a:t>
-            </a:r>
-          </a:p>
-          <a:p>
-            <a:pPr marL="530352" lvl="1" indent="0">
-              <a:buNone/>
-            </a:pPr>
-            <a:endParaRPr lang="en-US" dirty="0"/>
-          </a:p>
-          <a:p>
-            <a:pPr marL="530352" lvl="1" indent="0">
-              <a:buNone/>
-            </a:pPr>
-            <a:r>
-              <a:rPr lang="en-US" dirty="0"/>
-              <a:t>          0       1.00      0.99      0.99     10253</a:t>
-            </a:r>
-          </a:p>
-          <a:p>
-            <a:pPr marL="530352" lvl="1" indent="0">
-              <a:buNone/>
-            </a:pPr>
-            <a:r>
-              <a:rPr lang="en-US" dirty="0"/>
-              <a:t>          1       0.82      0.68      0.75     10318</a:t>
-            </a:r>
-          </a:p>
-          <a:p>
-            <a:pPr marL="530352" lvl="1" indent="0">
-              <a:buNone/>
-            </a:pPr>
-            <a:r>
-              <a:rPr lang="en-US" dirty="0"/>
-              <a:t>          2       0.72      0.86      0.78     10215</a:t>
-            </a:r>
-          </a:p>
-          <a:p>
-            <a:endParaRPr lang="en-US" dirty="0"/>
-          </a:p>
-          <a:p>
-            <a:pPr marL="0" indent="0">
-              <a:buNone/>
-            </a:pPr>
-            <a:r>
-              <a:rPr lang="en-US" dirty="0"/>
-              <a:t>       </a:t>
-            </a:r>
-            <a:r>
-              <a:rPr lang="en-US" dirty="0" err="1"/>
-              <a:t>avg</a:t>
-            </a:r>
-            <a:r>
-              <a:rPr lang="en-US" dirty="0"/>
-              <a:t> / total       0.85      0.84      0.84     30786</a:t>
-            </a:r>
-          </a:p>
-        </p:txBody>
-      </p:sp>
+          <p:cNvPicPr>
+            <a:picLocks noChangeAspect="1"/>
+          </p:cNvPicPr>
+          <p:nvPr/>
+        </p:nvPicPr>
+        <p:blipFill>
+          <a:blip r:embed="rId2"/>
+          <a:stretch>
+            <a:fillRect/>
+          </a:stretch>
+        </p:blipFill>
+        <p:spPr>
+          <a:xfrm>
+            <a:off x="1371599" y="1709322"/>
+            <a:ext cx="9395533" cy="4462878"/>
+          </a:xfrm>
+          <a:prstGeom prst="rect">
+            <a:avLst/>
+          </a:prstGeom>
+        </p:spPr>
+      </p:pic>
     </p:spTree>
     <p:extLst>
       <p:ext uri="{BB962C8B-B14F-4D97-AF65-F5344CB8AC3E}">
@@ -6407,107 +6298,36 @@
           </a:p>
         </p:txBody>
       </p:sp>
-      <p:sp>
-        <p:nvSpPr>
-          <p:cNvPr id="3" name="Content Placeholder 2">
+      <p:pic>
+        <p:nvPicPr>
+          <p:cNvPr id="6" name="Picture 5">
             <a:extLst>
               <a:ext uri="{FF2B5EF4-FFF2-40B4-BE49-F238E27FC236}">
-                <a16:creationId xmlns:a16="http://schemas.microsoft.com/office/drawing/2014/main" id="{67F1152B-CE2B-49CF-9532-899EAFC3B811}"/>
+                <a16:creationId xmlns:a16="http://schemas.microsoft.com/office/drawing/2014/main" id="{95D626D9-FFEA-47BC-A568-C130C7216B52}"/>
               </a:ext>
             </a:extLst>
           </p:cNvPr>
-          <p:cNvSpPr>
-            <a:spLocks noGrp="1"/>
-          </p:cNvSpPr>
-          <p:nvPr>
-            <p:ph idx="1"/>
-          </p:nvPr>
-        </p:nvSpPr>
-        <p:spPr/>
-        <p:txBody>
-          <a:bodyPr>
-            <a:normAutofit/>
-          </a:bodyPr>
-          <a:lstStyle/>
-          <a:p>
-            <a:r>
-              <a:rPr lang="en-US" dirty="0"/>
-              <a:t>Accuracy score on train data: 0.996687</a:t>
-            </a:r>
-          </a:p>
-          <a:p>
-            <a:r>
-              <a:rPr lang="en-US" dirty="0"/>
-              <a:t>Accuracy score on valid data: 0.922822</a:t>
-            </a:r>
-          </a:p>
-          <a:p>
-            <a:r>
-              <a:rPr lang="en-US" dirty="0"/>
-              <a:t>Classification Report:</a:t>
-            </a:r>
-          </a:p>
-          <a:p>
-            <a:pPr marL="530352" lvl="1" indent="0">
-              <a:buNone/>
-            </a:pPr>
-            <a:r>
-              <a:rPr lang="en-US" i="0" dirty="0"/>
-              <a:t>             precision    recall  f1-score   support</a:t>
-            </a:r>
-          </a:p>
-          <a:p>
-            <a:pPr marL="530352" lvl="1" indent="0">
-              <a:buNone/>
-            </a:pPr>
-            <a:endParaRPr lang="en-US" i="0" dirty="0"/>
-          </a:p>
-          <a:p>
-            <a:pPr marL="987552" lvl="2" indent="0">
-              <a:buNone/>
-            </a:pPr>
-            <a:r>
-              <a:rPr lang="en-US" i="0" dirty="0"/>
-              <a:t>          0       1.00      0.99      0.99     10253</a:t>
-            </a:r>
-          </a:p>
-          <a:p>
-            <a:pPr marL="987552" lvl="2" indent="0">
-              <a:buNone/>
-            </a:pPr>
-            <a:r>
-              <a:rPr lang="en-US" i="0" dirty="0"/>
-              <a:t>          1       0.89      0.88      0.89     10318</a:t>
-            </a:r>
-          </a:p>
-          <a:p>
-            <a:pPr marL="987552" lvl="2" indent="0">
-              <a:buNone/>
-            </a:pPr>
-            <a:r>
-              <a:rPr lang="en-US" i="0" dirty="0"/>
-              <a:t>          2       0.88      0.90      0.89     10215</a:t>
-            </a:r>
-          </a:p>
-          <a:p>
-            <a:pPr marL="530352" lvl="1" indent="0">
-              <a:buNone/>
-            </a:pPr>
-            <a:r>
-              <a:rPr lang="en-US" sz="1800" i="0" dirty="0"/>
-              <a:t>   </a:t>
-            </a:r>
-            <a:r>
-              <a:rPr lang="en-US" sz="1800" i="0" dirty="0" err="1"/>
-              <a:t>avg</a:t>
-            </a:r>
-            <a:r>
-              <a:rPr lang="en-US" sz="1800" i="0" dirty="0"/>
-              <a:t> / total       0.92      0.92      0.92     30786</a:t>
-            </a:r>
-          </a:p>
-        </p:txBody>
-      </p:sp>
+          <p:cNvPicPr>
+            <a:picLocks noChangeAspect="1"/>
+          </p:cNvPicPr>
+          <p:nvPr/>
+        </p:nvPicPr>
+        <p:blipFill>
+          <a:blip r:embed="rId2"/>
+          <a:stretch>
+            <a:fillRect/>
+          </a:stretch>
+        </p:blipFill>
+        <p:spPr>
+          <a:xfrm>
+            <a:off x="1371599" y="1623197"/>
+            <a:ext cx="10101833" cy="4876077"/>
+          </a:xfrm>
+          <a:prstGeom prst="rect">
+            <a:avLst/>
+          </a:prstGeom>
+        </p:spPr>
+      </p:pic>
     </p:spTree>
     <p:extLst>
       <p:ext uri="{BB962C8B-B14F-4D97-AF65-F5344CB8AC3E}">
@@ -6850,101 +6670,36 @@
           </a:p>
         </p:txBody>
       </p:sp>
-      <p:sp>
-        <p:nvSpPr>
-          <p:cNvPr id="3" name="Content Placeholder 2">
+      <p:pic>
+        <p:nvPicPr>
+          <p:cNvPr id="6" name="Picture 5">
             <a:extLst>
               <a:ext uri="{FF2B5EF4-FFF2-40B4-BE49-F238E27FC236}">
-                <a16:creationId xmlns:a16="http://schemas.microsoft.com/office/drawing/2014/main" id="{2E3922EA-F56B-40B5-B41E-045A44F71749}"/>
+                <a16:creationId xmlns:a16="http://schemas.microsoft.com/office/drawing/2014/main" id="{3841CC81-E79E-4B1D-8B16-21CA6F52A92D}"/>
               </a:ext>
             </a:extLst>
           </p:cNvPr>
-          <p:cNvSpPr>
-            <a:spLocks noGrp="1"/>
-          </p:cNvSpPr>
-          <p:nvPr>
-            <p:ph idx="1"/>
-          </p:nvPr>
-        </p:nvSpPr>
-        <p:spPr/>
-        <p:txBody>
-          <a:bodyPr>
-            <a:normAutofit/>
-          </a:bodyPr>
-          <a:lstStyle/>
-          <a:p>
-            <a:r>
-              <a:rPr lang="en-US" dirty="0"/>
-              <a:t>Accuracy score on train data: 0.837090</a:t>
-            </a:r>
-          </a:p>
-          <a:p>
-            <a:r>
-              <a:rPr lang="en-US" dirty="0"/>
-              <a:t>Accuracy score on valid data: 0.831254</a:t>
-            </a:r>
-          </a:p>
-          <a:p>
-            <a:r>
-              <a:rPr lang="en-US" dirty="0"/>
-              <a:t>Classification Report:</a:t>
-            </a:r>
-          </a:p>
-          <a:p>
-            <a:pPr marL="530352" lvl="1" indent="0">
-              <a:buNone/>
-            </a:pPr>
-            <a:r>
-              <a:rPr lang="en-US" i="0" dirty="0"/>
-              <a:t>             </a:t>
-            </a:r>
-            <a:r>
-              <a:rPr lang="en-US" sz="1800" i="0" dirty="0"/>
-              <a:t>precision    recall  f1-score   support</a:t>
-            </a:r>
-          </a:p>
-          <a:p>
-            <a:pPr marL="530352" lvl="1" indent="0">
-              <a:buNone/>
-            </a:pPr>
-            <a:r>
-              <a:rPr lang="en-US" sz="1800" i="0" dirty="0"/>
-              <a:t>          0       1.00      0.94      0.97     10253</a:t>
-            </a:r>
-          </a:p>
-          <a:p>
-            <a:pPr marL="530352" lvl="1" indent="0">
-              <a:buNone/>
-            </a:pPr>
-            <a:r>
-              <a:rPr lang="en-US" sz="1800" i="0" dirty="0"/>
-              <a:t>          1       0.82      0.67      0.74     10318</a:t>
-            </a:r>
-          </a:p>
-          <a:p>
-            <a:pPr marL="530352" lvl="1" indent="0">
-              <a:buNone/>
-            </a:pPr>
-            <a:r>
-              <a:rPr lang="en-US" sz="1800" i="0" dirty="0"/>
-              <a:t>          2       0.71      0.88      0.78     10215  </a:t>
-            </a:r>
-          </a:p>
-          <a:p>
-            <a:pPr marL="530352" lvl="1" indent="0">
-              <a:buNone/>
-            </a:pPr>
-            <a:r>
-              <a:rPr lang="en-US" sz="1800" i="0" dirty="0" err="1"/>
-              <a:t>avg</a:t>
-            </a:r>
-            <a:r>
-              <a:rPr lang="en-US" sz="1800" i="0" dirty="0"/>
-              <a:t> / total       0.84      0.83      0.83     30786</a:t>
-            </a:r>
-          </a:p>
-        </p:txBody>
-      </p:sp>
+          <p:cNvPicPr>
+            <a:picLocks noChangeAspect="1"/>
+          </p:cNvPicPr>
+          <p:nvPr/>
+        </p:nvPicPr>
+        <p:blipFill>
+          <a:blip r:embed="rId2"/>
+          <a:stretch>
+            <a:fillRect/>
+          </a:stretch>
+        </p:blipFill>
+        <p:spPr>
+          <a:xfrm>
+            <a:off x="1529383" y="1660456"/>
+            <a:ext cx="9717161" cy="4374584"/>
+          </a:xfrm>
+          <a:prstGeom prst="rect">
+            <a:avLst/>
+          </a:prstGeom>
+        </p:spPr>
+      </p:pic>
     </p:spTree>
     <p:extLst>
       <p:ext uri="{BB962C8B-B14F-4D97-AF65-F5344CB8AC3E}">
@@ -7289,102 +7044,36 @@
           </a:p>
         </p:txBody>
       </p:sp>
-      <p:sp>
-        <p:nvSpPr>
-          <p:cNvPr id="3" name="Content Placeholder 2">
+      <p:pic>
+        <p:nvPicPr>
+          <p:cNvPr id="6" name="Picture 5">
             <a:extLst>
               <a:ext uri="{FF2B5EF4-FFF2-40B4-BE49-F238E27FC236}">
-                <a16:creationId xmlns:a16="http://schemas.microsoft.com/office/drawing/2014/main" id="{B9346254-16E1-42AC-AFEB-9A28D33D2D20}"/>
+                <a16:creationId xmlns:a16="http://schemas.microsoft.com/office/drawing/2014/main" id="{B386557E-039B-48CB-A970-724C6A2BF4F0}"/>
               </a:ext>
             </a:extLst>
           </p:cNvPr>
-          <p:cNvSpPr>
-            <a:spLocks noGrp="1"/>
-          </p:cNvSpPr>
-          <p:nvPr>
-            <p:ph idx="1"/>
-          </p:nvPr>
-        </p:nvSpPr>
-        <p:spPr/>
-        <p:txBody>
-          <a:bodyPr>
-            <a:normAutofit lnSpcReduction="10000"/>
-          </a:bodyPr>
-          <a:lstStyle/>
-          <a:p>
-            <a:r>
-              <a:rPr lang="en-US" dirty="0"/>
-              <a:t>Accuracy score on train data: 0.828916</a:t>
-            </a:r>
-          </a:p>
-          <a:p>
-            <a:r>
-              <a:rPr lang="en-US" dirty="0"/>
-              <a:t>Accuracy score on valid data: 0.823264</a:t>
-            </a:r>
-          </a:p>
-          <a:p>
-            <a:r>
-              <a:rPr lang="en-US" dirty="0"/>
-              <a:t>Classification Report:</a:t>
-            </a:r>
-          </a:p>
-          <a:p>
-            <a:r>
-              <a:rPr lang="en-US" dirty="0"/>
-              <a:t>             precision    recall  f1-score   support</a:t>
-            </a:r>
-          </a:p>
-          <a:p>
-            <a:endParaRPr lang="en-US" dirty="0"/>
-          </a:p>
-          <a:p>
-            <a:pPr marL="987552" lvl="2" indent="0">
-              <a:buNone/>
-            </a:pPr>
-            <a:r>
-              <a:rPr lang="en-US" dirty="0"/>
-              <a:t>          0       0.98      0.99      0.99     10253</a:t>
-            </a:r>
-          </a:p>
-          <a:p>
-            <a:pPr marL="987552" lvl="2" indent="0">
-              <a:buNone/>
-            </a:pPr>
-            <a:r>
-              <a:rPr lang="en-US" dirty="0"/>
-              <a:t>          1       0.85      0.60      0.70     10318</a:t>
-            </a:r>
-          </a:p>
-          <a:p>
-            <a:pPr marL="987552" lvl="2" indent="0">
-              <a:buNone/>
-            </a:pPr>
-            <a:r>
-              <a:rPr lang="en-US" dirty="0"/>
-              <a:t>          2       0.69      0.89      0.77     10215</a:t>
-            </a:r>
-          </a:p>
-          <a:p>
-            <a:pPr marL="0" indent="0">
-              <a:buNone/>
-            </a:pPr>
-            <a:r>
-              <a:rPr lang="en-US" dirty="0"/>
-              <a:t>	</a:t>
-            </a:r>
-            <a:r>
-              <a:rPr lang="en-US" sz="1700" dirty="0" err="1"/>
-              <a:t>avg</a:t>
-            </a:r>
-            <a:r>
-              <a:rPr lang="en-US" sz="1700" dirty="0"/>
-              <a:t> / total       0.84      0.82      0.82     30786</a:t>
-            </a:r>
-            <a:endParaRPr lang="en-US" dirty="0"/>
-          </a:p>
-        </p:txBody>
-      </p:sp>
+          <p:cNvPicPr>
+            <a:picLocks noChangeAspect="1"/>
+          </p:cNvPicPr>
+          <p:nvPr/>
+        </p:nvPicPr>
+        <p:blipFill>
+          <a:blip r:embed="rId2"/>
+          <a:stretch>
+            <a:fillRect/>
+          </a:stretch>
+        </p:blipFill>
+        <p:spPr>
+          <a:xfrm>
+            <a:off x="1371600" y="1756753"/>
+            <a:ext cx="9854418" cy="4663923"/>
+          </a:xfrm>
+          <a:prstGeom prst="rect">
+            <a:avLst/>
+          </a:prstGeom>
+        </p:spPr>
+      </p:pic>
     </p:spTree>
     <p:extLst>
       <p:ext uri="{BB962C8B-B14F-4D97-AF65-F5344CB8AC3E}">
@@ -7724,97 +7413,36 @@
           </a:p>
         </p:txBody>
       </p:sp>
-      <p:sp>
-        <p:nvSpPr>
-          <p:cNvPr id="3" name="Content Placeholder 2">
+      <p:pic>
+        <p:nvPicPr>
+          <p:cNvPr id="6" name="Picture 5">
             <a:extLst>
               <a:ext uri="{FF2B5EF4-FFF2-40B4-BE49-F238E27FC236}">
-                <a16:creationId xmlns:a16="http://schemas.microsoft.com/office/drawing/2014/main" id="{1295460E-DA42-4C31-81E8-080BBA0206FE}"/>
+                <a16:creationId xmlns:a16="http://schemas.microsoft.com/office/drawing/2014/main" id="{410DE76B-B817-4902-9F1A-CE9E0465E53E}"/>
               </a:ext>
             </a:extLst>
           </p:cNvPr>
-          <p:cNvSpPr>
-            <a:spLocks noGrp="1"/>
-          </p:cNvSpPr>
-          <p:nvPr>
-            <p:ph idx="1"/>
-          </p:nvPr>
-        </p:nvSpPr>
-        <p:spPr/>
-        <p:txBody>
-          <a:bodyPr>
-            <a:normAutofit/>
-          </a:bodyPr>
-          <a:lstStyle/>
-          <a:p>
-            <a:r>
-              <a:rPr lang="en-US" dirty="0"/>
-              <a:t>Accuracy score on train data: 0.909829</a:t>
-            </a:r>
-          </a:p>
-          <a:p>
-            <a:r>
-              <a:rPr lang="en-US" dirty="0"/>
-              <a:t>Accuracy score on valid data: 0.864127</a:t>
-            </a:r>
-          </a:p>
-          <a:p>
-            <a:r>
-              <a:rPr lang="en-US" dirty="0"/>
-              <a:t>Classification Report:</a:t>
-            </a:r>
-          </a:p>
-          <a:p>
-            <a:r>
-              <a:rPr lang="en-US" dirty="0"/>
-              <a:t>             precision    recall  f1-score   support</a:t>
-            </a:r>
-          </a:p>
-          <a:p>
-            <a:endParaRPr lang="en-US" dirty="0"/>
-          </a:p>
-          <a:p>
-            <a:pPr marL="987552" lvl="2" indent="0">
-              <a:buNone/>
-            </a:pPr>
-            <a:r>
-              <a:rPr lang="en-US" dirty="0"/>
-              <a:t>          0       0.97      0.92      0.94     10253</a:t>
-            </a:r>
-          </a:p>
-          <a:p>
-            <a:pPr marL="987552" lvl="2" indent="0">
-              <a:buNone/>
-            </a:pPr>
-            <a:r>
-              <a:rPr lang="en-US" dirty="0"/>
-              <a:t>          1       0.84      0.78      0.80     10318</a:t>
-            </a:r>
-          </a:p>
-          <a:p>
-            <a:pPr marL="987552" lvl="2" indent="0">
-              <a:buNone/>
-            </a:pPr>
-            <a:r>
-              <a:rPr lang="en-US" dirty="0"/>
-              <a:t>          2       0.80      0.90      0.85     10215</a:t>
-            </a:r>
-          </a:p>
-          <a:p>
-            <a:pPr marL="987552" lvl="2" indent="0">
-              <a:buNone/>
-            </a:pPr>
-            <a:r>
-              <a:rPr lang="en-US" dirty="0" err="1"/>
-              <a:t>avg</a:t>
-            </a:r>
-            <a:r>
-              <a:rPr lang="en-US" dirty="0"/>
-              <a:t> / total       0.87      0.86      0.86     30786</a:t>
-            </a:r>
-          </a:p>
-        </p:txBody>
-      </p:sp>
+          <p:cNvPicPr>
+            <a:picLocks noChangeAspect="1"/>
+          </p:cNvPicPr>
+          <p:nvPr/>
+        </p:nvPicPr>
+        <p:blipFill>
+          <a:blip r:embed="rId2"/>
+          <a:stretch>
+            <a:fillRect/>
+          </a:stretch>
+        </p:blipFill>
+        <p:spPr>
+          <a:xfrm>
+            <a:off x="1493354" y="1637264"/>
+            <a:ext cx="9601200" cy="4599048"/>
+          </a:xfrm>
+          <a:prstGeom prst="rect">
+            <a:avLst/>
+          </a:prstGeom>
+        </p:spPr>
+      </p:pic>
     </p:spTree>
     <p:extLst>
       <p:ext uri="{BB962C8B-B14F-4D97-AF65-F5344CB8AC3E}">
@@ -8219,88 +7847,36 @@
           </a:p>
         </p:txBody>
       </p:sp>
-      <p:sp>
-        <p:nvSpPr>
-          <p:cNvPr id="3" name="Content Placeholder 2">
+      <p:pic>
+        <p:nvPicPr>
+          <p:cNvPr id="6" name="Picture 5">
             <a:extLst>
               <a:ext uri="{FF2B5EF4-FFF2-40B4-BE49-F238E27FC236}">
-                <a16:creationId xmlns:a16="http://schemas.microsoft.com/office/drawing/2014/main" id="{6AA80634-1FEF-44AE-B951-41FC392F0F2E}"/>
+                <a16:creationId xmlns:a16="http://schemas.microsoft.com/office/drawing/2014/main" id="{7B60DF0B-FBF9-4FD5-86C2-2DD48B025499}"/>
               </a:ext>
             </a:extLst>
           </p:cNvPr>
-          <p:cNvSpPr>
-            <a:spLocks noGrp="1"/>
-          </p:cNvSpPr>
-          <p:nvPr>
-            <p:ph idx="1"/>
-          </p:nvPr>
-        </p:nvSpPr>
-        <p:spPr/>
-        <p:txBody>
-          <a:bodyPr>
-            <a:normAutofit fontScale="85000" lnSpcReduction="20000"/>
-          </a:bodyPr>
-          <a:lstStyle/>
-          <a:p>
-            <a:r>
-              <a:rPr lang="en-US" dirty="0"/>
-              <a:t>Accuracy score on train data: 1.000000</a:t>
-            </a:r>
-          </a:p>
-          <a:p>
-            <a:r>
-              <a:rPr lang="en-US" dirty="0"/>
-              <a:t>Accuracy score on valid data: 0.893815</a:t>
-            </a:r>
-          </a:p>
-          <a:p>
-            <a:r>
-              <a:rPr lang="en-US" dirty="0"/>
-              <a:t>Classification Report:</a:t>
-            </a:r>
-          </a:p>
-          <a:p>
-            <a:r>
-              <a:rPr lang="en-US" dirty="0"/>
-              <a:t>             precision    recall  f1-score   support</a:t>
-            </a:r>
-          </a:p>
-          <a:p>
-            <a:endParaRPr lang="en-US" dirty="0"/>
-          </a:p>
-          <a:p>
-            <a:r>
-              <a:rPr lang="en-US" dirty="0"/>
-              <a:t>          0       0.99      0.99      0.99     10253</a:t>
-            </a:r>
-          </a:p>
-          <a:p>
-            <a:r>
-              <a:rPr lang="en-US" dirty="0"/>
-              <a:t>          1       0.86      0.82      0.84     10318</a:t>
-            </a:r>
-          </a:p>
-          <a:p>
-            <a:r>
-              <a:rPr lang="en-US" dirty="0"/>
-              <a:t>          2       0.83      0.87      0.85     10215</a:t>
-            </a:r>
-          </a:p>
-          <a:p>
-            <a:endParaRPr lang="en-US" dirty="0"/>
-          </a:p>
-          <a:p>
-            <a:r>
-              <a:rPr lang="en-US" dirty="0" err="1"/>
-              <a:t>avg</a:t>
-            </a:r>
-            <a:r>
-              <a:rPr lang="en-US" dirty="0"/>
-              <a:t> / total       0.89      0.89      0.89     30786</a:t>
-            </a:r>
-          </a:p>
-        </p:txBody>
-      </p:sp>
+          <p:cNvPicPr>
+            <a:picLocks noChangeAspect="1"/>
+          </p:cNvPicPr>
+          <p:nvPr/>
+        </p:nvPicPr>
+        <p:blipFill>
+          <a:blip r:embed="rId2"/>
+          <a:stretch>
+            <a:fillRect/>
+          </a:stretch>
+        </p:blipFill>
+        <p:spPr>
+          <a:xfrm>
+            <a:off x="1516132" y="1659007"/>
+            <a:ext cx="9456668" cy="4565288"/>
+          </a:xfrm>
+          <a:prstGeom prst="rect">
+            <a:avLst/>
+          </a:prstGeom>
+        </p:spPr>
+      </p:pic>
     </p:spTree>
     <p:extLst>
       <p:ext uri="{BB962C8B-B14F-4D97-AF65-F5344CB8AC3E}">
@@ -8589,6 +8165,311 @@
     <p:extLst>
       <p:ext uri="{BB962C8B-B14F-4D97-AF65-F5344CB8AC3E}">
         <p14:creationId xmlns:p14="http://schemas.microsoft.com/office/powerpoint/2010/main" val="2679055789"/>
+      </p:ext>
+    </p:extLst>
+  </p:cSld>
+  <p:clrMapOvr>
+    <a:masterClrMapping/>
+  </p:clrMapOvr>
+</p:sld>
+</file>
+
+<file path=ppt/slides/slide32.xml><?xml version="1.0" encoding="utf-8"?>
+<p:sld xmlns:a="http://schemas.openxmlformats.org/drawingml/2006/main" xmlns:r="http://schemas.openxmlformats.org/officeDocument/2006/relationships" xmlns:p="http://schemas.openxmlformats.org/presentationml/2006/main">
+  <p:cSld>
+    <p:spTree>
+      <p:nvGrpSpPr>
+        <p:cNvPr id="1" name=""/>
+        <p:cNvGrpSpPr/>
+        <p:nvPr/>
+      </p:nvGrpSpPr>
+      <p:grpSpPr>
+        <a:xfrm>
+          <a:off x="0" y="0"/>
+          <a:ext cx="0" cy="0"/>
+          <a:chOff x="0" y="0"/>
+          <a:chExt cx="0" cy="0"/>
+        </a:xfrm>
+      </p:grpSpPr>
+      <p:sp>
+        <p:nvSpPr>
+          <p:cNvPr id="2" name="Title 1">
+            <a:extLst>
+              <a:ext uri="{FF2B5EF4-FFF2-40B4-BE49-F238E27FC236}">
+                <a16:creationId xmlns:a16="http://schemas.microsoft.com/office/drawing/2014/main" id="{34786230-11E8-4D52-8C1F-DBF1A063B6F5}"/>
+              </a:ext>
+            </a:extLst>
+          </p:cNvPr>
+          <p:cNvSpPr>
+            <a:spLocks noGrp="1"/>
+          </p:cNvSpPr>
+          <p:nvPr>
+            <p:ph type="title"/>
+          </p:nvPr>
+        </p:nvSpPr>
+        <p:spPr>
+          <a:xfrm>
+            <a:off x="1596887" y="2686050"/>
+            <a:ext cx="9601200" cy="1485900"/>
+          </a:xfrm>
+        </p:spPr>
+        <p:txBody>
+          <a:bodyPr/>
+          <a:lstStyle/>
+          <a:p>
+            <a:pPr algn="ctr"/>
+            <a:r>
+              <a:rPr lang="en-US" dirty="0"/>
+              <a:t>Conclusion / Takeaways</a:t>
+            </a:r>
+            <a:br>
+              <a:rPr lang="en-US" dirty="0"/>
+            </a:br>
+            <a:endParaRPr lang="en-US" i="1" dirty="0"/>
+          </a:p>
+        </p:txBody>
+      </p:sp>
+    </p:spTree>
+    <p:extLst>
+      <p:ext uri="{BB962C8B-B14F-4D97-AF65-F5344CB8AC3E}">
+        <p14:creationId xmlns:p14="http://schemas.microsoft.com/office/powerpoint/2010/main" val="2726100805"/>
+      </p:ext>
+    </p:extLst>
+  </p:cSld>
+  <p:clrMapOvr>
+    <a:masterClrMapping/>
+  </p:clrMapOvr>
+</p:sld>
+</file>
+
+<file path=ppt/slides/slide33.xml><?xml version="1.0" encoding="utf-8"?>
+<p:sld xmlns:a="http://schemas.openxmlformats.org/drawingml/2006/main" xmlns:r="http://schemas.openxmlformats.org/officeDocument/2006/relationships" xmlns:p="http://schemas.openxmlformats.org/presentationml/2006/main">
+  <p:cSld>
+    <p:spTree>
+      <p:nvGrpSpPr>
+        <p:cNvPr id="1" name=""/>
+        <p:cNvGrpSpPr/>
+        <p:nvPr/>
+      </p:nvGrpSpPr>
+      <p:grpSpPr>
+        <a:xfrm>
+          <a:off x="0" y="0"/>
+          <a:ext cx="0" cy="0"/>
+          <a:chOff x="0" y="0"/>
+          <a:chExt cx="0" cy="0"/>
+        </a:xfrm>
+      </p:grpSpPr>
+      <p:sp>
+        <p:nvSpPr>
+          <p:cNvPr id="3" name="Content Placeholder 2">
+            <a:extLst>
+              <a:ext uri="{FF2B5EF4-FFF2-40B4-BE49-F238E27FC236}">
+                <a16:creationId xmlns:a16="http://schemas.microsoft.com/office/drawing/2014/main" id="{2DCE103A-1FA7-4E60-91EE-D7FDE3F70542}"/>
+              </a:ext>
+            </a:extLst>
+          </p:cNvPr>
+          <p:cNvSpPr>
+            <a:spLocks noGrp="1"/>
+          </p:cNvSpPr>
+          <p:nvPr>
+            <p:ph idx="1"/>
+          </p:nvPr>
+        </p:nvSpPr>
+        <p:spPr>
+          <a:xfrm>
+            <a:off x="1371600" y="636103"/>
+            <a:ext cx="9601200" cy="5830957"/>
+          </a:xfrm>
+        </p:spPr>
+        <p:txBody>
+          <a:bodyPr>
+            <a:normAutofit fontScale="92500" lnSpcReduction="10000"/>
+          </a:bodyPr>
+          <a:lstStyle/>
+          <a:p>
+            <a:r>
+              <a:rPr lang="en-US" dirty="0"/>
+              <a:t>We become familiar with the data set and studied various features.</a:t>
+            </a:r>
+          </a:p>
+          <a:p>
+            <a:r>
+              <a:rPr lang="en-US" dirty="0"/>
+              <a:t>We then did dome exploration formally called as EDA – Exploratory Data Analysis where we plotted all the features one by one against the target variable (Employment Status) and saw the relation and distribution of each. It helped in getting various helpful insights into the dataset.</a:t>
+            </a:r>
+          </a:p>
+          <a:p>
+            <a:r>
+              <a:rPr lang="en-US" dirty="0"/>
+              <a:t>We then studied the correlation between various features and removed one of the highly correlated features making sure that only one is left behind.</a:t>
+            </a:r>
+          </a:p>
+          <a:p>
+            <a:r>
+              <a:rPr lang="en-US" dirty="0"/>
+              <a:t>We then did some data-preprocessing which included label encoding to target variable, doing oversampling with </a:t>
+            </a:r>
+            <a:r>
+              <a:rPr lang="en-US" dirty="0" err="1"/>
+              <a:t>SMOTETomek</a:t>
+            </a:r>
+            <a:r>
+              <a:rPr lang="en-US" dirty="0"/>
+              <a:t>, creating dummy variables and scaling features.</a:t>
+            </a:r>
+          </a:p>
+          <a:p>
+            <a:r>
+              <a:rPr lang="en-US" dirty="0"/>
+              <a:t>We then defined a function to plot confusion matrix.</a:t>
+            </a:r>
+          </a:p>
+          <a:p>
+            <a:r>
+              <a:rPr lang="en-US" dirty="0"/>
+              <a:t>Finally, we implemented various Classification Machine Learning Algorithms on our dataset and assessed each with the help of </a:t>
+            </a:r>
+          </a:p>
+          <a:p>
+            <a:pPr lvl="1"/>
+            <a:r>
+              <a:rPr lang="en-US" dirty="0"/>
+              <a:t>Accuracy on the training dataset</a:t>
+            </a:r>
+          </a:p>
+          <a:p>
+            <a:pPr lvl="1"/>
+            <a:r>
+              <a:rPr lang="en-US" dirty="0"/>
+              <a:t>Accuracy on the validation dataset</a:t>
+            </a:r>
+          </a:p>
+          <a:p>
+            <a:pPr lvl="1"/>
+            <a:r>
+              <a:rPr lang="en-US" dirty="0"/>
+              <a:t>Precision</a:t>
+            </a:r>
+          </a:p>
+          <a:p>
+            <a:pPr lvl="1"/>
+            <a:r>
+              <a:rPr lang="en-US" dirty="0"/>
+              <a:t>Recall</a:t>
+            </a:r>
+          </a:p>
+          <a:p>
+            <a:pPr lvl="1"/>
+            <a:r>
+              <a:rPr lang="en-US" dirty="0"/>
+              <a:t>F-1 Score</a:t>
+            </a:r>
+          </a:p>
+        </p:txBody>
+      </p:sp>
+    </p:spTree>
+    <p:extLst>
+      <p:ext uri="{BB962C8B-B14F-4D97-AF65-F5344CB8AC3E}">
+        <p14:creationId xmlns:p14="http://schemas.microsoft.com/office/powerpoint/2010/main" val="2522997172"/>
+      </p:ext>
+    </p:extLst>
+  </p:cSld>
+  <p:clrMapOvr>
+    <a:masterClrMapping/>
+  </p:clrMapOvr>
+</p:sld>
+</file>
+
+<file path=ppt/slides/slide34.xml><?xml version="1.0" encoding="utf-8"?>
+<p:sld xmlns:a="http://schemas.openxmlformats.org/drawingml/2006/main" xmlns:r="http://schemas.openxmlformats.org/officeDocument/2006/relationships" xmlns:p="http://schemas.openxmlformats.org/presentationml/2006/main">
+  <p:cSld>
+    <p:spTree>
+      <p:nvGrpSpPr>
+        <p:cNvPr id="1" name=""/>
+        <p:cNvGrpSpPr/>
+        <p:nvPr/>
+      </p:nvGrpSpPr>
+      <p:grpSpPr>
+        <a:xfrm>
+          <a:off x="0" y="0"/>
+          <a:ext cx="0" cy="0"/>
+          <a:chOff x="0" y="0"/>
+          <a:chExt cx="0" cy="0"/>
+        </a:xfrm>
+      </p:grpSpPr>
+      <p:sp>
+        <p:nvSpPr>
+          <p:cNvPr id="3" name="Content Placeholder 2">
+            <a:extLst>
+              <a:ext uri="{FF2B5EF4-FFF2-40B4-BE49-F238E27FC236}">
+                <a16:creationId xmlns:a16="http://schemas.microsoft.com/office/drawing/2014/main" id="{5C9F8841-6BFA-482F-83DD-A398D16E2E3D}"/>
+              </a:ext>
+            </a:extLst>
+          </p:cNvPr>
+          <p:cNvSpPr>
+            <a:spLocks noGrp="1"/>
+          </p:cNvSpPr>
+          <p:nvPr>
+            <p:ph idx="1"/>
+          </p:nvPr>
+        </p:nvSpPr>
+        <p:spPr>
+          <a:xfrm>
+            <a:off x="1371600" y="622852"/>
+            <a:ext cx="9601200" cy="5244548"/>
+          </a:xfrm>
+        </p:spPr>
+        <p:txBody>
+          <a:bodyPr/>
+          <a:lstStyle/>
+          <a:p>
+            <a:r>
+              <a:rPr lang="en-US" dirty="0"/>
+              <a:t>We also plotted confusion matrix for each of the models.</a:t>
+            </a:r>
+          </a:p>
+          <a:p>
+            <a:r>
+              <a:rPr lang="en-US" dirty="0"/>
+              <a:t>We saw that almost all the models performed well. But, Random Forest in particular demonstrated best results - 99% accuracy on the training set and 92% on the validation set. The mean F-1 score was 92%.</a:t>
+            </a:r>
+          </a:p>
+          <a:p>
+            <a:endParaRPr lang="en-US" dirty="0"/>
+          </a:p>
+          <a:p>
+            <a:endParaRPr lang="en-US" dirty="0"/>
+          </a:p>
+          <a:p>
+            <a:pPr marL="0" indent="0">
+              <a:buNone/>
+            </a:pPr>
+            <a:r>
+              <a:rPr lang="en-US" dirty="0"/>
+              <a:t>Thus, this project helped us(me) in understanding the flow of data science work (data science pipeline), how to perform EDA, how to do data pre-processing, how to write Python functions and many other things as mentioned earlier. It gave a really good hands on experience. Also, lectures by you (professor) helped in learning various data science concepts and technicalities related to Python.</a:t>
+            </a:r>
+          </a:p>
+          <a:p>
+            <a:pPr marL="0" indent="0">
+              <a:buNone/>
+            </a:pPr>
+            <a:endParaRPr lang="en-US" dirty="0"/>
+          </a:p>
+          <a:p>
+            <a:pPr marL="0" indent="0" algn="ctr">
+              <a:buNone/>
+            </a:pPr>
+            <a:r>
+              <a:rPr lang="en-US" sz="4000" b="1" dirty="0"/>
+              <a:t>THANK YOU</a:t>
+            </a:r>
+          </a:p>
+        </p:txBody>
+      </p:sp>
+    </p:spTree>
+    <p:extLst>
+      <p:ext uri="{BB962C8B-B14F-4D97-AF65-F5344CB8AC3E}">
+        <p14:creationId xmlns:p14="http://schemas.microsoft.com/office/powerpoint/2010/main" val="2784868991"/>
       </p:ext>
     </p:extLst>
   </p:cSld>
